--- a/doc/rsenv.pptx
+++ b/doc/rsenv.pptx
@@ -6,7 +6,8 @@
   </p:sldMasterIdLst>
   <p:sldIdLst>
     <p:sldId id="256" r:id="rId2"/>
-    <p:sldId id="257" r:id="rId3"/>
+    <p:sldId id="258" r:id="rId3"/>
+    <p:sldId id="257" r:id="rId4"/>
   </p:sldIdLst>
   <p:sldSz cx="12192000" cy="6858000"/>
   <p:notesSz cx="6858000" cy="9144000"/>
@@ -2656,6 +2657,1190 @@
 </file>
 
 <file path=ppt/slides/slide2.xml><?xml version="1.0" encoding="utf-8"?>
+<p:sld xmlns:a="http://schemas.openxmlformats.org/drawingml/2006/main" xmlns:r="http://schemas.openxmlformats.org/officeDocument/2006/relationships" xmlns:p="http://schemas.openxmlformats.org/presentationml/2006/main">
+  <p:cSld>
+    <p:spTree>
+      <p:nvGrpSpPr>
+        <p:cNvPr id="1" name=""/>
+        <p:cNvGrpSpPr/>
+        <p:nvPr/>
+      </p:nvGrpSpPr>
+      <p:grpSpPr>
+        <a:xfrm>
+          <a:off x="0" y="0"/>
+          <a:ext cx="0" cy="0"/>
+          <a:chOff x="0" y="0"/>
+          <a:chExt cx="0" cy="0"/>
+        </a:xfrm>
+      </p:grpSpPr>
+      <p:sp>
+        <p:nvSpPr>
+          <p:cNvPr id="2" name="Title 1">
+            <a:extLst>
+              <a:ext uri="{FF2B5EF4-FFF2-40B4-BE49-F238E27FC236}">
+                <a16:creationId xmlns:a16="http://schemas.microsoft.com/office/drawing/2014/main" id="{C711657E-A7E4-1664-454A-E95F9F219304}"/>
+              </a:ext>
+            </a:extLst>
+          </p:cNvPr>
+          <p:cNvSpPr>
+            <a:spLocks noGrp="1"/>
+          </p:cNvSpPr>
+          <p:nvPr>
+            <p:ph type="title"/>
+          </p:nvPr>
+        </p:nvSpPr>
+        <p:spPr/>
+        <p:txBody>
+          <a:bodyPr/>
+          <a:lstStyle/>
+          <a:p>
+            <a:r>
+              <a:rPr lang="en-DE" dirty="0"/>
+              <a:t>Hierarchical environment variable definiton.</a:t>
+            </a:r>
+          </a:p>
+        </p:txBody>
+      </p:sp>
+      <p:pic>
+        <p:nvPicPr>
+          <p:cNvPr id="3" name="Picture 2">
+            <a:extLst>
+              <a:ext uri="{FF2B5EF4-FFF2-40B4-BE49-F238E27FC236}">
+                <a16:creationId xmlns:a16="http://schemas.microsoft.com/office/drawing/2014/main" id="{E1A49AC1-5FE7-7543-2BA7-0DB2DC654737}"/>
+              </a:ext>
+            </a:extLst>
+          </p:cNvPr>
+          <p:cNvPicPr>
+            <a:picLocks noChangeAspect="1"/>
+          </p:cNvPicPr>
+          <p:nvPr/>
+        </p:nvPicPr>
+        <p:blipFill>
+          <a:blip r:embed="rId2"/>
+          <a:stretch>
+            <a:fillRect/>
+          </a:stretch>
+        </p:blipFill>
+        <p:spPr>
+          <a:xfrm>
+            <a:off x="740477" y="2090185"/>
+            <a:ext cx="2874899" cy="2543759"/>
+          </a:xfrm>
+          <a:prstGeom prst="rect">
+            <a:avLst/>
+          </a:prstGeom>
+        </p:spPr>
+      </p:pic>
+      <p:grpSp>
+        <p:nvGrpSpPr>
+          <p:cNvPr id="27" name="Group 26">
+            <a:extLst>
+              <a:ext uri="{FF2B5EF4-FFF2-40B4-BE49-F238E27FC236}">
+                <a16:creationId xmlns:a16="http://schemas.microsoft.com/office/drawing/2014/main" id="{57B522C6-5D73-2C1C-0FFD-E656BEBD3794}"/>
+              </a:ext>
+            </a:extLst>
+          </p:cNvPr>
+          <p:cNvGrpSpPr/>
+          <p:nvPr/>
+        </p:nvGrpSpPr>
+        <p:grpSpPr>
+          <a:xfrm>
+            <a:off x="8508938" y="1251372"/>
+            <a:ext cx="2914984" cy="1707449"/>
+            <a:chOff x="4448342" y="2695951"/>
+            <a:chExt cx="2914984" cy="1707449"/>
+          </a:xfrm>
+        </p:grpSpPr>
+        <p:sp>
+          <p:nvSpPr>
+            <p:cNvPr id="7" name="TextBox 6">
+              <a:extLst>
+                <a:ext uri="{FF2B5EF4-FFF2-40B4-BE49-F238E27FC236}">
+                  <a16:creationId xmlns:a16="http://schemas.microsoft.com/office/drawing/2014/main" id="{6DEEC870-2BA6-9580-59C8-1D5DA34D5016}"/>
+                </a:ext>
+              </a:extLst>
+            </p:cNvPr>
+            <p:cNvSpPr txBox="1"/>
+            <p:nvPr/>
+          </p:nvSpPr>
+          <p:spPr>
+            <a:xfrm>
+              <a:off x="4448342" y="2926072"/>
+              <a:ext cx="2914984" cy="1477328"/>
+            </a:xfrm>
+            <a:prstGeom prst="rect">
+              <a:avLst/>
+            </a:prstGeom>
+            <a:solidFill>
+              <a:schemeClr val="accent1">
+                <a:lumMod val="75000"/>
+              </a:schemeClr>
+            </a:solidFill>
+          </p:spPr>
+          <p:txBody>
+            <a:bodyPr wrap="square">
+              <a:spAutoFit/>
+            </a:bodyPr>
+            <a:lstStyle/>
+            <a:p>
+              <a:r>
+                <a:rPr lang="en-DE" dirty="0"/>
+                <a:t># rsenv: ../global/cloud.env</a:t>
+              </a:r>
+            </a:p>
+            <a:p>
+              <a:endParaRPr lang="en-DE" dirty="0"/>
+            </a:p>
+            <a:p>
+              <a:r>
+                <a:rPr lang="en-DE" dirty="0"/>
+                <a:t># Level3 overwrite</a:t>
+              </a:r>
+            </a:p>
+            <a:p>
+              <a:r>
+                <a:rPr lang="en-DE" dirty="0"/>
+                <a:t>export VAR_5=var_53</a:t>
+              </a:r>
+            </a:p>
+            <a:p>
+              <a:r>
+                <a:rPr lang="en-DE" dirty="0"/>
+                <a:t>export VAR_6=var_63  </a:t>
+              </a:r>
+            </a:p>
+          </p:txBody>
+        </p:sp>
+        <p:sp>
+          <p:nvSpPr>
+            <p:cNvPr id="22" name="TextBox 21">
+              <a:extLst>
+                <a:ext uri="{FF2B5EF4-FFF2-40B4-BE49-F238E27FC236}">
+                  <a16:creationId xmlns:a16="http://schemas.microsoft.com/office/drawing/2014/main" id="{FEBFD170-85E0-DA04-C98F-4ACF08E7943E}"/>
+                </a:ext>
+              </a:extLst>
+            </p:cNvPr>
+            <p:cNvSpPr txBox="1"/>
+            <p:nvPr/>
+          </p:nvSpPr>
+          <p:spPr>
+            <a:xfrm>
+              <a:off x="5160245" y="2695951"/>
+              <a:ext cx="1491177" cy="307777"/>
+            </a:xfrm>
+            <a:prstGeom prst="rect">
+              <a:avLst/>
+            </a:prstGeom>
+            <a:solidFill>
+              <a:schemeClr val="tx2">
+                <a:lumMod val="25000"/>
+              </a:schemeClr>
+            </a:solidFill>
+          </p:spPr>
+          <p:txBody>
+            <a:bodyPr wrap="none" rtlCol="0">
+              <a:spAutoFit/>
+            </a:bodyPr>
+            <a:lstStyle/>
+            <a:p>
+              <a:pPr algn="l"/>
+              <a:r>
+                <a:rPr lang="en-DE" sz="1400" dirty="0"/>
+                <a:t>shared/level3.env</a:t>
+              </a:r>
+            </a:p>
+          </p:txBody>
+        </p:sp>
+      </p:grpSp>
+      <p:grpSp>
+        <p:nvGrpSpPr>
+          <p:cNvPr id="29" name="Group 28">
+            <a:extLst>
+              <a:ext uri="{FF2B5EF4-FFF2-40B4-BE49-F238E27FC236}">
+                <a16:creationId xmlns:a16="http://schemas.microsoft.com/office/drawing/2014/main" id="{1B273454-7C6F-FF91-6450-C16BBCBE26D7}"/>
+              </a:ext>
+            </a:extLst>
+          </p:cNvPr>
+          <p:cNvGrpSpPr/>
+          <p:nvPr/>
+        </p:nvGrpSpPr>
+        <p:grpSpPr>
+          <a:xfrm>
+            <a:off x="8726808" y="3537778"/>
+            <a:ext cx="2662989" cy="2534983"/>
+            <a:chOff x="7911099" y="3429000"/>
+            <a:chExt cx="2662989" cy="2534983"/>
+          </a:xfrm>
+        </p:grpSpPr>
+        <p:sp>
+          <p:nvSpPr>
+            <p:cNvPr id="5" name="TextBox 4">
+              <a:extLst>
+                <a:ext uri="{FF2B5EF4-FFF2-40B4-BE49-F238E27FC236}">
+                  <a16:creationId xmlns:a16="http://schemas.microsoft.com/office/drawing/2014/main" id="{D5B38A7C-A901-CFD3-5ECB-2C2610DE0688}"/>
+                </a:ext>
+              </a:extLst>
+            </p:cNvPr>
+            <p:cNvSpPr txBox="1"/>
+            <p:nvPr/>
+          </p:nvSpPr>
+          <p:spPr>
+            <a:xfrm>
+              <a:off x="7911099" y="3655659"/>
+              <a:ext cx="2662989" cy="2308324"/>
+            </a:xfrm>
+            <a:prstGeom prst="rect">
+              <a:avLst/>
+            </a:prstGeom>
+            <a:solidFill>
+              <a:schemeClr val="accent1">
+                <a:lumMod val="75000"/>
+              </a:schemeClr>
+            </a:solidFill>
+          </p:spPr>
+          <p:txBody>
+            <a:bodyPr wrap="square">
+              <a:spAutoFit/>
+            </a:bodyPr>
+            <a:lstStyle/>
+            <a:p>
+              <a:r>
+                <a:rPr lang="en-DE" dirty="0"/>
+                <a:t># rsenv: shared/level3.env</a:t>
+              </a:r>
+            </a:p>
+            <a:p>
+              <a:endParaRPr lang="en-DE" dirty="0"/>
+            </a:p>
+            <a:p>
+              <a:r>
+                <a:rPr lang="en-DE" dirty="0"/>
+                <a:t>other stuff</a:t>
+              </a:r>
+            </a:p>
+            <a:p>
+              <a:r>
+                <a:rPr lang="en-DE" dirty="0"/>
+                <a:t># comments</a:t>
+              </a:r>
+            </a:p>
+            <a:p>
+              <a:endParaRPr lang="en-DE" dirty="0"/>
+            </a:p>
+            <a:p>
+              <a:r>
+                <a:rPr lang="en-DE" dirty="0"/>
+                <a:t># new variables just added</a:t>
+              </a:r>
+            </a:p>
+            <a:p>
+              <a:r>
+                <a:rPr lang="en-DE" dirty="0"/>
+                <a:t>export VAR_6=local_64</a:t>
+              </a:r>
+            </a:p>
+            <a:p>
+              <a:r>
+                <a:rPr lang="en-DE" dirty="0"/>
+                <a:t>export VAR_7=local_74</a:t>
+              </a:r>
+            </a:p>
+          </p:txBody>
+        </p:sp>
+        <p:sp>
+          <p:nvSpPr>
+            <p:cNvPr id="23" name="TextBox 22">
+              <a:extLst>
+                <a:ext uri="{FF2B5EF4-FFF2-40B4-BE49-F238E27FC236}">
+                  <a16:creationId xmlns:a16="http://schemas.microsoft.com/office/drawing/2014/main" id="{6D5B290E-82A0-D61F-49DC-0ED0A31447E0}"/>
+                </a:ext>
+              </a:extLst>
+            </p:cNvPr>
+            <p:cNvSpPr txBox="1"/>
+            <p:nvPr/>
+          </p:nvSpPr>
+          <p:spPr>
+            <a:xfrm>
+              <a:off x="8740273" y="3429000"/>
+              <a:ext cx="831061" cy="307777"/>
+            </a:xfrm>
+            <a:prstGeom prst="rect">
+              <a:avLst/>
+            </a:prstGeom>
+            <a:solidFill>
+              <a:schemeClr val="tx2">
+                <a:lumMod val="25000"/>
+              </a:schemeClr>
+            </a:solidFill>
+          </p:spPr>
+          <p:txBody>
+            <a:bodyPr wrap="none" rtlCol="0">
+              <a:spAutoFit/>
+            </a:bodyPr>
+            <a:lstStyle/>
+            <a:p>
+              <a:pPr algn="l"/>
+              <a:r>
+                <a:rPr lang="en-DE" sz="1400" dirty="0"/>
+                <a:t>local.env</a:t>
+              </a:r>
+            </a:p>
+          </p:txBody>
+        </p:sp>
+      </p:grpSp>
+      <p:grpSp>
+        <p:nvGrpSpPr>
+          <p:cNvPr id="28" name="Group 27">
+            <a:extLst>
+              <a:ext uri="{FF2B5EF4-FFF2-40B4-BE49-F238E27FC236}">
+                <a16:creationId xmlns:a16="http://schemas.microsoft.com/office/drawing/2014/main" id="{BA4FBEF2-3704-8CD0-810F-1A8CD4A22FF2}"/>
+              </a:ext>
+            </a:extLst>
+          </p:cNvPr>
+          <p:cNvGrpSpPr/>
+          <p:nvPr/>
+        </p:nvGrpSpPr>
+        <p:grpSpPr>
+          <a:xfrm>
+            <a:off x="4730914" y="3537778"/>
+            <a:ext cx="2609181" cy="1704860"/>
+            <a:chOff x="7911099" y="1503065"/>
+            <a:chExt cx="2609181" cy="1704860"/>
+          </a:xfrm>
+        </p:grpSpPr>
+        <p:sp>
+          <p:nvSpPr>
+            <p:cNvPr id="9" name="TextBox 8">
+              <a:extLst>
+                <a:ext uri="{FF2B5EF4-FFF2-40B4-BE49-F238E27FC236}">
+                  <a16:creationId xmlns:a16="http://schemas.microsoft.com/office/drawing/2014/main" id="{95433927-2883-A764-0155-A83C3A46E489}"/>
+                </a:ext>
+              </a:extLst>
+            </p:cNvPr>
+            <p:cNvSpPr txBox="1"/>
+            <p:nvPr/>
+          </p:nvSpPr>
+          <p:spPr>
+            <a:xfrm>
+              <a:off x="7911099" y="1730597"/>
+              <a:ext cx="2609181" cy="1477328"/>
+            </a:xfrm>
+            <a:prstGeom prst="rect">
+              <a:avLst/>
+            </a:prstGeom>
+            <a:solidFill>
+              <a:schemeClr val="accent1">
+                <a:lumMod val="75000"/>
+              </a:schemeClr>
+            </a:solidFill>
+          </p:spPr>
+          <p:txBody>
+            <a:bodyPr wrap="square">
+              <a:spAutoFit/>
+            </a:bodyPr>
+            <a:lstStyle/>
+            <a:p>
+              <a:r>
+                <a:rPr lang="en-DE" dirty="0"/>
+                <a:t># rsenv: global.env</a:t>
+              </a:r>
+            </a:p>
+            <a:p>
+              <a:endParaRPr lang="en-DE" dirty="0"/>
+            </a:p>
+            <a:p>
+              <a:r>
+                <a:rPr lang="en-DE" dirty="0"/>
+                <a:t># Level2 overwrite</a:t>
+              </a:r>
+            </a:p>
+            <a:p>
+              <a:r>
+                <a:rPr lang="en-DE" dirty="0"/>
+                <a:t>export VAR_4=cloud_42</a:t>
+              </a:r>
+            </a:p>
+            <a:p>
+              <a:r>
+                <a:rPr lang="en-DE" dirty="0"/>
+                <a:t>export VAR_5=cloud_52</a:t>
+              </a:r>
+            </a:p>
+          </p:txBody>
+        </p:sp>
+        <p:sp>
+          <p:nvSpPr>
+            <p:cNvPr id="24" name="TextBox 23">
+              <a:extLst>
+                <a:ext uri="{FF2B5EF4-FFF2-40B4-BE49-F238E27FC236}">
+                  <a16:creationId xmlns:a16="http://schemas.microsoft.com/office/drawing/2014/main" id="{F525F0C1-32DE-BA22-2C34-A25432AD5152}"/>
+                </a:ext>
+              </a:extLst>
+            </p:cNvPr>
+            <p:cNvSpPr txBox="1"/>
+            <p:nvPr/>
+          </p:nvSpPr>
+          <p:spPr>
+            <a:xfrm>
+              <a:off x="8541022" y="1503065"/>
+              <a:ext cx="1403141" cy="307777"/>
+            </a:xfrm>
+            <a:prstGeom prst="rect">
+              <a:avLst/>
+            </a:prstGeom>
+            <a:solidFill>
+              <a:schemeClr val="tx2">
+                <a:lumMod val="25000"/>
+              </a:schemeClr>
+            </a:solidFill>
+          </p:spPr>
+          <p:txBody>
+            <a:bodyPr wrap="none" rtlCol="0">
+              <a:spAutoFit/>
+            </a:bodyPr>
+            <a:lstStyle/>
+            <a:p>
+              <a:pPr algn="l"/>
+              <a:r>
+                <a:rPr lang="en-DE" sz="1400" dirty="0"/>
+                <a:t>global/cloud.env</a:t>
+              </a:r>
+            </a:p>
+          </p:txBody>
+        </p:sp>
+      </p:grpSp>
+      <p:grpSp>
+        <p:nvGrpSpPr>
+          <p:cNvPr id="26" name="Group 25">
+            <a:extLst>
+              <a:ext uri="{FF2B5EF4-FFF2-40B4-BE49-F238E27FC236}">
+                <a16:creationId xmlns:a16="http://schemas.microsoft.com/office/drawing/2014/main" id="{27F4813C-A1BD-B4B7-1CD0-2517B84D4615}"/>
+              </a:ext>
+            </a:extLst>
+          </p:cNvPr>
+          <p:cNvGrpSpPr/>
+          <p:nvPr/>
+        </p:nvGrpSpPr>
+        <p:grpSpPr>
+          <a:xfrm>
+            <a:off x="4889496" y="1547569"/>
+            <a:ext cx="2345322" cy="1182104"/>
+            <a:chOff x="4448342" y="1010158"/>
+            <a:chExt cx="2345322" cy="1182104"/>
+          </a:xfrm>
+        </p:grpSpPr>
+        <p:sp>
+          <p:nvSpPr>
+            <p:cNvPr id="11" name="TextBox 10">
+              <a:extLst>
+                <a:ext uri="{FF2B5EF4-FFF2-40B4-BE49-F238E27FC236}">
+                  <a16:creationId xmlns:a16="http://schemas.microsoft.com/office/drawing/2014/main" id="{3585AD11-43D8-6F0C-87A5-6E8644837C3A}"/>
+                </a:ext>
+              </a:extLst>
+            </p:cNvPr>
+            <p:cNvSpPr txBox="1"/>
+            <p:nvPr/>
+          </p:nvSpPr>
+          <p:spPr>
+            <a:xfrm>
+              <a:off x="4448342" y="1268932"/>
+              <a:ext cx="2345322" cy="923330"/>
+            </a:xfrm>
+            <a:prstGeom prst="rect">
+              <a:avLst/>
+            </a:prstGeom>
+            <a:solidFill>
+              <a:schemeClr val="accent1">
+                <a:lumMod val="75000"/>
+              </a:schemeClr>
+            </a:solidFill>
+          </p:spPr>
+          <p:txBody>
+            <a:bodyPr wrap="square">
+              <a:spAutoFit/>
+            </a:bodyPr>
+            <a:lstStyle/>
+            <a:p>
+              <a:r>
+                <a:rPr lang="en-DE" dirty="0"/>
+                <a:t>export VAR_1=var_11</a:t>
+              </a:r>
+            </a:p>
+            <a:p>
+              <a:r>
+                <a:rPr lang="en-DE" dirty="0"/>
+                <a:t>export VAR_2=var_21</a:t>
+              </a:r>
+            </a:p>
+            <a:p>
+              <a:r>
+                <a:rPr lang="en-DE" dirty="0"/>
+                <a:t>export VAR_3=var_31</a:t>
+              </a:r>
+            </a:p>
+          </p:txBody>
+        </p:sp>
+        <p:sp>
+          <p:nvSpPr>
+            <p:cNvPr id="25" name="TextBox 24">
+              <a:extLst>
+                <a:ext uri="{FF2B5EF4-FFF2-40B4-BE49-F238E27FC236}">
+                  <a16:creationId xmlns:a16="http://schemas.microsoft.com/office/drawing/2014/main" id="{A2FAF83F-00C5-2408-BD6B-AC875FCC9333}"/>
+                </a:ext>
+              </a:extLst>
+            </p:cNvPr>
+            <p:cNvSpPr txBox="1"/>
+            <p:nvPr/>
+          </p:nvSpPr>
+          <p:spPr>
+            <a:xfrm>
+              <a:off x="4963216" y="1010158"/>
+              <a:ext cx="1537985" cy="307777"/>
+            </a:xfrm>
+            <a:prstGeom prst="rect">
+              <a:avLst/>
+            </a:prstGeom>
+            <a:solidFill>
+              <a:schemeClr val="tx2">
+                <a:lumMod val="25000"/>
+              </a:schemeClr>
+            </a:solidFill>
+          </p:spPr>
+          <p:txBody>
+            <a:bodyPr wrap="none" rtlCol="0">
+              <a:spAutoFit/>
+            </a:bodyPr>
+            <a:lstStyle/>
+            <a:p>
+              <a:pPr algn="l"/>
+              <a:r>
+                <a:rPr lang="en-DE" sz="1400" dirty="0"/>
+                <a:t>global/global1.env</a:t>
+              </a:r>
+            </a:p>
+          </p:txBody>
+        </p:sp>
+      </p:grpSp>
+      <p:cxnSp>
+        <p:nvCxnSpPr>
+          <p:cNvPr id="32" name="Straight Arrow Connector 31">
+            <a:extLst>
+              <a:ext uri="{FF2B5EF4-FFF2-40B4-BE49-F238E27FC236}">
+                <a16:creationId xmlns:a16="http://schemas.microsoft.com/office/drawing/2014/main" id="{61FD3185-0AFD-C42F-48BF-A9C8EBB13D93}"/>
+              </a:ext>
+            </a:extLst>
+          </p:cNvPr>
+          <p:cNvCxnSpPr>
+            <a:cxnSpLocks/>
+            <a:stCxn id="11" idx="2"/>
+            <a:endCxn id="24" idx="0"/>
+          </p:cNvCxnSpPr>
+          <p:nvPr/>
+        </p:nvCxnSpPr>
+        <p:spPr>
+          <a:xfrm>
+            <a:off x="6062157" y="2729673"/>
+            <a:ext cx="251" cy="808105"/>
+          </a:xfrm>
+          <a:prstGeom prst="straightConnector1">
+            <a:avLst/>
+          </a:prstGeom>
+          <a:ln>
+            <a:tailEnd type="triangle"/>
+          </a:ln>
+        </p:spPr>
+        <p:style>
+          <a:lnRef idx="3">
+            <a:schemeClr val="dk1"/>
+          </a:lnRef>
+          <a:fillRef idx="0">
+            <a:schemeClr val="dk1"/>
+          </a:fillRef>
+          <a:effectRef idx="2">
+            <a:schemeClr val="dk1"/>
+          </a:effectRef>
+          <a:fontRef idx="minor">
+            <a:schemeClr val="tx1"/>
+          </a:fontRef>
+        </p:style>
+      </p:cxnSp>
+      <p:cxnSp>
+        <p:nvCxnSpPr>
+          <p:cNvPr id="37" name="Elbow Connector 36">
+            <a:extLst>
+              <a:ext uri="{FF2B5EF4-FFF2-40B4-BE49-F238E27FC236}">
+                <a16:creationId xmlns:a16="http://schemas.microsoft.com/office/drawing/2014/main" id="{9087598B-AE8D-22C3-8B28-7117BF5CC753}"/>
+              </a:ext>
+            </a:extLst>
+          </p:cNvPr>
+          <p:cNvCxnSpPr>
+            <a:stCxn id="9" idx="3"/>
+            <a:endCxn id="7" idx="1"/>
+          </p:cNvCxnSpPr>
+          <p:nvPr/>
+        </p:nvCxnSpPr>
+        <p:spPr>
+          <a:xfrm flipV="1">
+            <a:off x="7340095" y="2220157"/>
+            <a:ext cx="1168843" cy="2283817"/>
+          </a:xfrm>
+          <a:prstGeom prst="bentConnector3">
+            <a:avLst/>
+          </a:prstGeom>
+          <a:ln>
+            <a:tailEnd type="triangle"/>
+          </a:ln>
+        </p:spPr>
+        <p:style>
+          <a:lnRef idx="3">
+            <a:schemeClr val="dk1"/>
+          </a:lnRef>
+          <a:fillRef idx="0">
+            <a:schemeClr val="dk1"/>
+          </a:fillRef>
+          <a:effectRef idx="2">
+            <a:schemeClr val="dk1"/>
+          </a:effectRef>
+          <a:fontRef idx="minor">
+            <a:schemeClr val="tx1"/>
+          </a:fontRef>
+        </p:style>
+      </p:cxnSp>
+      <p:cxnSp>
+        <p:nvCxnSpPr>
+          <p:cNvPr id="38" name="Straight Arrow Connector 37">
+            <a:extLst>
+              <a:ext uri="{FF2B5EF4-FFF2-40B4-BE49-F238E27FC236}">
+                <a16:creationId xmlns:a16="http://schemas.microsoft.com/office/drawing/2014/main" id="{AFA335E6-5013-74FF-9D68-F876C635F9C2}"/>
+              </a:ext>
+            </a:extLst>
+          </p:cNvPr>
+          <p:cNvCxnSpPr>
+            <a:cxnSpLocks/>
+            <a:stCxn id="7" idx="2"/>
+            <a:endCxn id="23" idx="0"/>
+          </p:cNvCxnSpPr>
+          <p:nvPr/>
+        </p:nvCxnSpPr>
+        <p:spPr>
+          <a:xfrm>
+            <a:off x="9966430" y="2958821"/>
+            <a:ext cx="5083" cy="578957"/>
+          </a:xfrm>
+          <a:prstGeom prst="straightConnector1">
+            <a:avLst/>
+          </a:prstGeom>
+          <a:ln>
+            <a:tailEnd type="triangle"/>
+          </a:ln>
+        </p:spPr>
+        <p:style>
+          <a:lnRef idx="3">
+            <a:schemeClr val="dk1"/>
+          </a:lnRef>
+          <a:fillRef idx="0">
+            <a:schemeClr val="dk1"/>
+          </a:fillRef>
+          <a:effectRef idx="2">
+            <a:schemeClr val="dk1"/>
+          </a:effectRef>
+          <a:fontRef idx="minor">
+            <a:schemeClr val="tx1"/>
+          </a:fontRef>
+        </p:style>
+      </p:cxnSp>
+      <p:sp>
+        <p:nvSpPr>
+          <p:cNvPr id="42" name="Triangle 41">
+            <a:extLst>
+              <a:ext uri="{FF2B5EF4-FFF2-40B4-BE49-F238E27FC236}">
+                <a16:creationId xmlns:a16="http://schemas.microsoft.com/office/drawing/2014/main" id="{C86686F6-205B-B6A8-A561-CA1EBBE9F4DD}"/>
+              </a:ext>
+            </a:extLst>
+          </p:cNvPr>
+          <p:cNvSpPr/>
+          <p:nvPr/>
+        </p:nvSpPr>
+        <p:spPr>
+          <a:xfrm rot="5400000">
+            <a:off x="2151236" y="3364996"/>
+            <a:ext cx="3772643" cy="160949"/>
+          </a:xfrm>
+          <a:prstGeom prst="triangle">
+            <a:avLst/>
+          </a:prstGeom>
+          <a:ln>
+            <a:noFill/>
+          </a:ln>
+        </p:spPr>
+        <p:style>
+          <a:lnRef idx="2">
+            <a:schemeClr val="accent1">
+              <a:shade val="50000"/>
+            </a:schemeClr>
+          </a:lnRef>
+          <a:fillRef idx="1">
+            <a:schemeClr val="accent1"/>
+          </a:fillRef>
+          <a:effectRef idx="0">
+            <a:schemeClr val="accent1"/>
+          </a:effectRef>
+          <a:fontRef idx="minor">
+            <a:schemeClr val="lt1"/>
+          </a:fontRef>
+        </p:style>
+        <p:txBody>
+          <a:bodyPr rtlCol="0" anchor="ctr"/>
+          <a:lstStyle/>
+          <a:p>
+            <a:pPr algn="ctr"/>
+            <a:endParaRPr lang="en-DE" sz="1100" dirty="0"/>
+          </a:p>
+        </p:txBody>
+      </p:sp>
+      <p:sp>
+        <p:nvSpPr>
+          <p:cNvPr id="43" name="TextBox 42">
+            <a:extLst>
+              <a:ext uri="{FF2B5EF4-FFF2-40B4-BE49-F238E27FC236}">
+                <a16:creationId xmlns:a16="http://schemas.microsoft.com/office/drawing/2014/main" id="{24E73258-3232-00D9-5B33-92F8139283A3}"/>
+              </a:ext>
+            </a:extLst>
+          </p:cNvPr>
+          <p:cNvSpPr txBox="1"/>
+          <p:nvPr/>
+        </p:nvSpPr>
+        <p:spPr>
+          <a:xfrm>
+            <a:off x="758466" y="5549541"/>
+            <a:ext cx="4640822" cy="523220"/>
+          </a:xfrm>
+          <a:prstGeom prst="rect">
+            <a:avLst/>
+          </a:prstGeom>
+          <a:solidFill>
+            <a:schemeClr val="accent1">
+              <a:lumMod val="75000"/>
+            </a:schemeClr>
+          </a:solidFill>
+        </p:spPr>
+        <p:txBody>
+          <a:bodyPr wrap="none" rtlCol="0">
+            <a:spAutoFit/>
+          </a:bodyPr>
+          <a:lstStyle/>
+          <a:p>
+            <a:pPr marL="285750" indent="-285750" algn="l">
+              <a:buFont typeface="Arial" panose="020B0604020202020204" pitchFamily="34" charset="0"/>
+              <a:buChar char="•"/>
+            </a:pPr>
+            <a:r>
+              <a:rPr lang="en-DE" sz="1400" dirty="0"/>
+              <a:t>rsenv calculates recursively the resulting set of variables.</a:t>
+            </a:r>
+          </a:p>
+          <a:p>
+            <a:pPr marL="285750" indent="-285750" algn="l">
+              <a:buFont typeface="Arial" panose="020B0604020202020204" pitchFamily="34" charset="0"/>
+              <a:buChar char="•"/>
+            </a:pPr>
+            <a:r>
+              <a:rPr lang="en-DE" sz="1400" dirty="0"/>
+              <a:t>Child definition trumps parent definition.</a:t>
+            </a:r>
+          </a:p>
+        </p:txBody>
+      </p:sp>
+      <p:sp>
+        <p:nvSpPr>
+          <p:cNvPr id="44" name="Rectangle 43">
+            <a:extLst>
+              <a:ext uri="{FF2B5EF4-FFF2-40B4-BE49-F238E27FC236}">
+                <a16:creationId xmlns:a16="http://schemas.microsoft.com/office/drawing/2014/main" id="{D0CCE4E1-0137-55C7-99F4-EC4A07931748}"/>
+              </a:ext>
+            </a:extLst>
+          </p:cNvPr>
+          <p:cNvSpPr/>
+          <p:nvPr/>
+        </p:nvSpPr>
+        <p:spPr>
+          <a:xfrm>
+            <a:off x="8575259" y="3764437"/>
+            <a:ext cx="2914983" cy="349134"/>
+          </a:xfrm>
+          <a:prstGeom prst="rect">
+            <a:avLst/>
+          </a:prstGeom>
+          <a:noFill/>
+          <a:ln w="38100">
+            <a:solidFill>
+              <a:srgbClr val="FF0000"/>
+            </a:solidFill>
+          </a:ln>
+        </p:spPr>
+        <p:style>
+          <a:lnRef idx="2">
+            <a:schemeClr val="accent1">
+              <a:shade val="50000"/>
+            </a:schemeClr>
+          </a:lnRef>
+          <a:fillRef idx="1">
+            <a:schemeClr val="accent1"/>
+          </a:fillRef>
+          <a:effectRef idx="0">
+            <a:schemeClr val="accent1"/>
+          </a:effectRef>
+          <a:fontRef idx="minor">
+            <a:schemeClr val="lt1"/>
+          </a:fontRef>
+        </p:style>
+        <p:txBody>
+          <a:bodyPr rtlCol="0" anchor="ctr"/>
+          <a:lstStyle/>
+          <a:p>
+            <a:pPr algn="ctr"/>
+            <a:endParaRPr lang="en-DE" sz="1100" dirty="0"/>
+          </a:p>
+        </p:txBody>
+      </p:sp>
+      <p:sp>
+        <p:nvSpPr>
+          <p:cNvPr id="45" name="Rounded Rectangular Callout 44">
+            <a:extLst>
+              <a:ext uri="{FF2B5EF4-FFF2-40B4-BE49-F238E27FC236}">
+                <a16:creationId xmlns:a16="http://schemas.microsoft.com/office/drawing/2014/main" id="{E7BD88A1-137B-3914-83DC-7D627D8B698D}"/>
+              </a:ext>
+            </a:extLst>
+          </p:cNvPr>
+          <p:cNvSpPr/>
+          <p:nvPr/>
+        </p:nvSpPr>
+        <p:spPr>
+          <a:xfrm>
+            <a:off x="10576534" y="3303999"/>
+            <a:ext cx="1073426" cy="374108"/>
+          </a:xfrm>
+          <a:prstGeom prst="wedgeRoundRectCallout">
+            <a:avLst/>
+          </a:prstGeom>
+          <a:solidFill>
+            <a:srgbClr val="FF0000"/>
+          </a:solidFill>
+        </p:spPr>
+        <p:style>
+          <a:lnRef idx="2">
+            <a:schemeClr val="accent1">
+              <a:shade val="50000"/>
+            </a:schemeClr>
+          </a:lnRef>
+          <a:fillRef idx="1">
+            <a:schemeClr val="accent1"/>
+          </a:fillRef>
+          <a:effectRef idx="0">
+            <a:schemeClr val="accent1"/>
+          </a:effectRef>
+          <a:fontRef idx="minor">
+            <a:schemeClr val="lt1"/>
+          </a:fontRef>
+        </p:style>
+        <p:txBody>
+          <a:bodyPr rtlCol="0" anchor="ctr"/>
+          <a:lstStyle/>
+          <a:p>
+            <a:pPr algn="ctr"/>
+            <a:r>
+              <a:rPr lang="en-DE" sz="1100" dirty="0"/>
+              <a:t>Link to parent</a:t>
+            </a:r>
+          </a:p>
+        </p:txBody>
+      </p:sp>
+      <p:sp>
+        <p:nvSpPr>
+          <p:cNvPr id="46" name="Rectangle 45">
+            <a:extLst>
+              <a:ext uri="{FF2B5EF4-FFF2-40B4-BE49-F238E27FC236}">
+                <a16:creationId xmlns:a16="http://schemas.microsoft.com/office/drawing/2014/main" id="{71A7B818-83BA-40F4-58FF-831F15265680}"/>
+              </a:ext>
+            </a:extLst>
+          </p:cNvPr>
+          <p:cNvSpPr/>
+          <p:nvPr/>
+        </p:nvSpPr>
+        <p:spPr>
+          <a:xfrm>
+            <a:off x="8474814" y="1525744"/>
+            <a:ext cx="2914983" cy="349134"/>
+          </a:xfrm>
+          <a:prstGeom prst="rect">
+            <a:avLst/>
+          </a:prstGeom>
+          <a:noFill/>
+          <a:ln w="38100">
+            <a:solidFill>
+              <a:srgbClr val="FF0000"/>
+            </a:solidFill>
+          </a:ln>
+        </p:spPr>
+        <p:style>
+          <a:lnRef idx="2">
+            <a:schemeClr val="accent1">
+              <a:shade val="50000"/>
+            </a:schemeClr>
+          </a:lnRef>
+          <a:fillRef idx="1">
+            <a:schemeClr val="accent1"/>
+          </a:fillRef>
+          <a:effectRef idx="0">
+            <a:schemeClr val="accent1"/>
+          </a:effectRef>
+          <a:fontRef idx="minor">
+            <a:schemeClr val="lt1"/>
+          </a:fontRef>
+        </p:style>
+        <p:txBody>
+          <a:bodyPr rtlCol="0" anchor="ctr"/>
+          <a:lstStyle/>
+          <a:p>
+            <a:pPr algn="ctr"/>
+            <a:endParaRPr lang="en-DE" sz="1100" dirty="0"/>
+          </a:p>
+        </p:txBody>
+      </p:sp>
+      <p:sp>
+        <p:nvSpPr>
+          <p:cNvPr id="47" name="Rounded Rectangular Callout 46">
+            <a:extLst>
+              <a:ext uri="{FF2B5EF4-FFF2-40B4-BE49-F238E27FC236}">
+                <a16:creationId xmlns:a16="http://schemas.microsoft.com/office/drawing/2014/main" id="{8887EFD8-8DAB-C258-6BB2-A7B88F363688}"/>
+              </a:ext>
+            </a:extLst>
+          </p:cNvPr>
+          <p:cNvSpPr/>
+          <p:nvPr/>
+        </p:nvSpPr>
+        <p:spPr>
+          <a:xfrm>
+            <a:off x="10712018" y="1933743"/>
+            <a:ext cx="1073426" cy="374108"/>
+          </a:xfrm>
+          <a:prstGeom prst="wedgeRoundRectCallout">
+            <a:avLst>
+              <a:gd name="adj1" fmla="val -20833"/>
+              <a:gd name="adj2" fmla="val -61855"/>
+              <a:gd name="adj3" fmla="val 16667"/>
+            </a:avLst>
+          </a:prstGeom>
+          <a:solidFill>
+            <a:srgbClr val="FF0000"/>
+          </a:solidFill>
+        </p:spPr>
+        <p:style>
+          <a:lnRef idx="2">
+            <a:schemeClr val="accent1">
+              <a:shade val="50000"/>
+            </a:schemeClr>
+          </a:lnRef>
+          <a:fillRef idx="1">
+            <a:schemeClr val="accent1"/>
+          </a:fillRef>
+          <a:effectRef idx="0">
+            <a:schemeClr val="accent1"/>
+          </a:effectRef>
+          <a:fontRef idx="minor">
+            <a:schemeClr val="lt1"/>
+          </a:fontRef>
+        </p:style>
+        <p:txBody>
+          <a:bodyPr rtlCol="0" anchor="ctr"/>
+          <a:lstStyle/>
+          <a:p>
+            <a:pPr algn="ctr"/>
+            <a:r>
+              <a:rPr lang="en-DE" sz="1100" dirty="0"/>
+              <a:t>Link to parent</a:t>
+            </a:r>
+          </a:p>
+        </p:txBody>
+      </p:sp>
+      <p:sp>
+        <p:nvSpPr>
+          <p:cNvPr id="48" name="Rounded Rectangular Callout 47">
+            <a:extLst>
+              <a:ext uri="{FF2B5EF4-FFF2-40B4-BE49-F238E27FC236}">
+                <a16:creationId xmlns:a16="http://schemas.microsoft.com/office/drawing/2014/main" id="{EA9D93CA-DACD-426C-7836-90FE175886DD}"/>
+              </a:ext>
+            </a:extLst>
+          </p:cNvPr>
+          <p:cNvSpPr/>
+          <p:nvPr/>
+        </p:nvSpPr>
+        <p:spPr>
+          <a:xfrm>
+            <a:off x="4152157" y="1270999"/>
+            <a:ext cx="1130592" cy="509925"/>
+          </a:xfrm>
+          <a:prstGeom prst="wedgeRoundRectCallout">
+            <a:avLst>
+              <a:gd name="adj1" fmla="val 23254"/>
+              <a:gd name="adj2" fmla="val 71076"/>
+              <a:gd name="adj3" fmla="val 16667"/>
+            </a:avLst>
+          </a:prstGeom>
+          <a:solidFill>
+            <a:srgbClr val="FF0000"/>
+          </a:solidFill>
+        </p:spPr>
+        <p:style>
+          <a:lnRef idx="2">
+            <a:schemeClr val="accent1">
+              <a:shade val="50000"/>
+            </a:schemeClr>
+          </a:lnRef>
+          <a:fillRef idx="1">
+            <a:schemeClr val="accent1"/>
+          </a:fillRef>
+          <a:effectRef idx="0">
+            <a:schemeClr val="accent1"/>
+          </a:effectRef>
+          <a:fontRef idx="minor">
+            <a:schemeClr val="lt1"/>
+          </a:fontRef>
+        </p:style>
+        <p:txBody>
+          <a:bodyPr rtlCol="0" anchor="ctr"/>
+          <a:lstStyle/>
+          <a:p>
+            <a:pPr algn="ctr"/>
+            <a:r>
+              <a:rPr lang="en-DE" sz="1100" dirty="0"/>
+              <a:t>No Link to parent: Tree Root</a:t>
+            </a:r>
+          </a:p>
+        </p:txBody>
+      </p:sp>
+      <p:sp>
+        <p:nvSpPr>
+          <p:cNvPr id="49" name="Rectangle 48">
+            <a:extLst>
+              <a:ext uri="{FF2B5EF4-FFF2-40B4-BE49-F238E27FC236}">
+                <a16:creationId xmlns:a16="http://schemas.microsoft.com/office/drawing/2014/main" id="{A7E4DE6E-127F-F36F-4B5A-0AD068AF8153}"/>
+              </a:ext>
+            </a:extLst>
+          </p:cNvPr>
+          <p:cNvSpPr/>
+          <p:nvPr/>
+        </p:nvSpPr>
+        <p:spPr>
+          <a:xfrm>
+            <a:off x="4715814" y="3786515"/>
+            <a:ext cx="2001275" cy="349134"/>
+          </a:xfrm>
+          <a:prstGeom prst="rect">
+            <a:avLst/>
+          </a:prstGeom>
+          <a:noFill/>
+          <a:ln w="38100">
+            <a:solidFill>
+              <a:srgbClr val="FF0000"/>
+            </a:solidFill>
+          </a:ln>
+        </p:spPr>
+        <p:style>
+          <a:lnRef idx="2">
+            <a:schemeClr val="accent1">
+              <a:shade val="50000"/>
+            </a:schemeClr>
+          </a:lnRef>
+          <a:fillRef idx="1">
+            <a:schemeClr val="accent1"/>
+          </a:fillRef>
+          <a:effectRef idx="0">
+            <a:schemeClr val="accent1"/>
+          </a:effectRef>
+          <a:fontRef idx="minor">
+            <a:schemeClr val="lt1"/>
+          </a:fontRef>
+        </p:style>
+        <p:txBody>
+          <a:bodyPr rtlCol="0" anchor="ctr"/>
+          <a:lstStyle/>
+          <a:p>
+            <a:pPr algn="ctr"/>
+            <a:endParaRPr lang="en-DE" sz="1100" dirty="0"/>
+          </a:p>
+        </p:txBody>
+      </p:sp>
+      <p:sp>
+        <p:nvSpPr>
+          <p:cNvPr id="50" name="Rounded Rectangular Callout 49">
+            <a:extLst>
+              <a:ext uri="{FF2B5EF4-FFF2-40B4-BE49-F238E27FC236}">
+                <a16:creationId xmlns:a16="http://schemas.microsoft.com/office/drawing/2014/main" id="{153CF3B0-2894-3E94-1AF8-FC19BA89CC8E}"/>
+              </a:ext>
+            </a:extLst>
+          </p:cNvPr>
+          <p:cNvSpPr/>
+          <p:nvPr/>
+        </p:nvSpPr>
+        <p:spPr>
+          <a:xfrm>
+            <a:off x="6694447" y="4178393"/>
+            <a:ext cx="1073426" cy="374108"/>
+          </a:xfrm>
+          <a:prstGeom prst="wedgeRoundRectCallout">
+            <a:avLst>
+              <a:gd name="adj1" fmla="val -40261"/>
+              <a:gd name="adj2" fmla="val -79007"/>
+              <a:gd name="adj3" fmla="val 16667"/>
+            </a:avLst>
+          </a:prstGeom>
+          <a:solidFill>
+            <a:srgbClr val="FF0000"/>
+          </a:solidFill>
+        </p:spPr>
+        <p:style>
+          <a:lnRef idx="2">
+            <a:schemeClr val="accent1">
+              <a:shade val="50000"/>
+            </a:schemeClr>
+          </a:lnRef>
+          <a:fillRef idx="1">
+            <a:schemeClr val="accent1"/>
+          </a:fillRef>
+          <a:effectRef idx="0">
+            <a:schemeClr val="accent1"/>
+          </a:effectRef>
+          <a:fontRef idx="minor">
+            <a:schemeClr val="lt1"/>
+          </a:fontRef>
+        </p:style>
+        <p:txBody>
+          <a:bodyPr rtlCol="0" anchor="ctr"/>
+          <a:lstStyle/>
+          <a:p>
+            <a:pPr algn="ctr"/>
+            <a:r>
+              <a:rPr lang="en-DE" sz="1100" dirty="0"/>
+              <a:t>Link to parent</a:t>
+            </a:r>
+          </a:p>
+        </p:txBody>
+      </p:sp>
+    </p:spTree>
+    <p:extLst>
+      <p:ext uri="{BB962C8B-B14F-4D97-AF65-F5344CB8AC3E}">
+        <p14:creationId xmlns:p14="http://schemas.microsoft.com/office/powerpoint/2010/main" val="1598565049"/>
+      </p:ext>
+    </p:extLst>
+  </p:cSld>
+  <p:clrMapOvr>
+    <a:masterClrMapping/>
+  </p:clrMapOvr>
+</p:sld>
+</file>
+
+<file path=ppt/slides/slide3.xml><?xml version="1.0" encoding="utf-8"?>
 <p:sld xmlns:a="http://schemas.openxmlformats.org/drawingml/2006/main" xmlns:r="http://schemas.openxmlformats.org/officeDocument/2006/relationships" xmlns:p="http://schemas.openxmlformats.org/presentationml/2006/main">
   <p:cSld>
     <p:spTree>

--- a/doc/rsenv.pptx
+++ b/doc/rsenv.pptx
@@ -7,7 +7,10 @@
   <p:sldIdLst>
     <p:sldId id="256" r:id="rId2"/>
     <p:sldId id="258" r:id="rId3"/>
-    <p:sldId id="257" r:id="rId4"/>
+    <p:sldId id="259" r:id="rId4"/>
+    <p:sldId id="260" r:id="rId5"/>
+    <p:sldId id="257" r:id="rId6"/>
+    <p:sldId id="261" r:id="rId7"/>
   </p:sldIdLst>
   <p:sldSz cx="12192000" cy="6858000"/>
   <p:notesSz cx="6858000" cy="9144000"/>
@@ -263,7 +266,7 @@
           <a:p>
             <a:fld id="{94EAEABD-DE79-9141-AFA2-A3447ADAF287}" type="datetimeFigureOut">
               <a:rPr lang="en-DE" smtClean="0"/>
-              <a:t>15.08.23</a:t>
+              <a:t>31.08.23</a:t>
             </a:fld>
             <a:endParaRPr lang="en-DE"/>
           </a:p>
@@ -463,7 +466,7 @@
           <a:p>
             <a:fld id="{94EAEABD-DE79-9141-AFA2-A3447ADAF287}" type="datetimeFigureOut">
               <a:rPr lang="en-DE" smtClean="0"/>
-              <a:t>15.08.23</a:t>
+              <a:t>31.08.23</a:t>
             </a:fld>
             <a:endParaRPr lang="en-DE"/>
           </a:p>
@@ -739,7 +742,7 @@
           <a:p>
             <a:fld id="{94EAEABD-DE79-9141-AFA2-A3447ADAF287}" type="datetimeFigureOut">
               <a:rPr lang="en-DE" smtClean="0"/>
-              <a:t>15.08.23</a:t>
+              <a:t>31.08.23</a:t>
             </a:fld>
             <a:endParaRPr lang="en-DE"/>
           </a:p>
@@ -1007,7 +1010,7 @@
           <a:p>
             <a:fld id="{94EAEABD-DE79-9141-AFA2-A3447ADAF287}" type="datetimeFigureOut">
               <a:rPr lang="en-DE" smtClean="0"/>
-              <a:t>15.08.23</a:t>
+              <a:t>31.08.23</a:t>
             </a:fld>
             <a:endParaRPr lang="en-DE"/>
           </a:p>
@@ -1422,7 +1425,7 @@
           <a:p>
             <a:fld id="{94EAEABD-DE79-9141-AFA2-A3447ADAF287}" type="datetimeFigureOut">
               <a:rPr lang="en-DE" smtClean="0"/>
-              <a:t>15.08.23</a:t>
+              <a:t>31.08.23</a:t>
             </a:fld>
             <a:endParaRPr lang="en-DE"/>
           </a:p>
@@ -1569,7 +1572,7 @@
           <a:p>
             <a:fld id="{94EAEABD-DE79-9141-AFA2-A3447ADAF287}" type="datetimeFigureOut">
               <a:rPr lang="en-DE" smtClean="0"/>
-              <a:t>15.08.23</a:t>
+              <a:t>31.08.23</a:t>
             </a:fld>
             <a:endParaRPr lang="en-DE"/>
           </a:p>
@@ -1682,7 +1685,7 @@
           <a:p>
             <a:fld id="{94EAEABD-DE79-9141-AFA2-A3447ADAF287}" type="datetimeFigureOut">
               <a:rPr lang="en-DE" smtClean="0"/>
-              <a:t>15.08.23</a:t>
+              <a:t>31.08.23</a:t>
             </a:fld>
             <a:endParaRPr lang="en-DE"/>
           </a:p>
@@ -1931,7 +1934,7 @@
           <a:p>
             <a:fld id="{94EAEABD-DE79-9141-AFA2-A3447ADAF287}" type="datetimeFigureOut">
               <a:rPr lang="en-DE" smtClean="0"/>
-              <a:t>15.08.23</a:t>
+              <a:t>31.08.23</a:t>
             </a:fld>
             <a:endParaRPr lang="en-DE"/>
           </a:p>
@@ -3857,6 +3860,1146 @@
           <a:chExt cx="0" cy="0"/>
         </a:xfrm>
       </p:grpSpPr>
+      <p:pic>
+        <p:nvPicPr>
+          <p:cNvPr id="3" name="Picture 2">
+            <a:extLst>
+              <a:ext uri="{FF2B5EF4-FFF2-40B4-BE49-F238E27FC236}">
+                <a16:creationId xmlns:a16="http://schemas.microsoft.com/office/drawing/2014/main" id="{E1A49AC1-5FE7-7543-2BA7-0DB2DC654737}"/>
+              </a:ext>
+            </a:extLst>
+          </p:cNvPr>
+          <p:cNvPicPr>
+            <a:picLocks noChangeAspect="1"/>
+          </p:cNvPicPr>
+          <p:nvPr/>
+        </p:nvPicPr>
+        <p:blipFill>
+          <a:blip r:embed="rId2"/>
+          <a:stretch>
+            <a:fillRect/>
+          </a:stretch>
+        </p:blipFill>
+        <p:spPr>
+          <a:xfrm>
+            <a:off x="740477" y="2090185"/>
+            <a:ext cx="1669029" cy="1476785"/>
+          </a:xfrm>
+          <a:prstGeom prst="rect">
+            <a:avLst/>
+          </a:prstGeom>
+        </p:spPr>
+      </p:pic>
+      <p:grpSp>
+        <p:nvGrpSpPr>
+          <p:cNvPr id="27" name="Group 26">
+            <a:extLst>
+              <a:ext uri="{FF2B5EF4-FFF2-40B4-BE49-F238E27FC236}">
+                <a16:creationId xmlns:a16="http://schemas.microsoft.com/office/drawing/2014/main" id="{57B522C6-5D73-2C1C-0FFD-E656BEBD3794}"/>
+              </a:ext>
+            </a:extLst>
+          </p:cNvPr>
+          <p:cNvGrpSpPr/>
+          <p:nvPr/>
+        </p:nvGrpSpPr>
+        <p:grpSpPr>
+          <a:xfrm>
+            <a:off x="4885247" y="3574533"/>
+            <a:ext cx="2914984" cy="1707449"/>
+            <a:chOff x="4448342" y="2695951"/>
+            <a:chExt cx="2914984" cy="1707449"/>
+          </a:xfrm>
+        </p:grpSpPr>
+        <p:sp>
+          <p:nvSpPr>
+            <p:cNvPr id="7" name="TextBox 6">
+              <a:extLst>
+                <a:ext uri="{FF2B5EF4-FFF2-40B4-BE49-F238E27FC236}">
+                  <a16:creationId xmlns:a16="http://schemas.microsoft.com/office/drawing/2014/main" id="{6DEEC870-2BA6-9580-59C8-1D5DA34D5016}"/>
+                </a:ext>
+              </a:extLst>
+            </p:cNvPr>
+            <p:cNvSpPr txBox="1"/>
+            <p:nvPr/>
+          </p:nvSpPr>
+          <p:spPr>
+            <a:xfrm>
+              <a:off x="4448342" y="2926072"/>
+              <a:ext cx="2914984" cy="1477328"/>
+            </a:xfrm>
+            <a:prstGeom prst="rect">
+              <a:avLst/>
+            </a:prstGeom>
+            <a:solidFill>
+              <a:schemeClr val="accent1">
+                <a:lumMod val="75000"/>
+              </a:schemeClr>
+            </a:solidFill>
+          </p:spPr>
+          <p:txBody>
+            <a:bodyPr wrap="square">
+              <a:spAutoFit/>
+            </a:bodyPr>
+            <a:lstStyle/>
+            <a:p>
+              <a:r>
+                <a:rPr lang="en-DE" dirty="0"/>
+                <a:t># rsenv: ../global/cloud.env</a:t>
+              </a:r>
+            </a:p>
+            <a:p>
+              <a:endParaRPr lang="en-DE" dirty="0"/>
+            </a:p>
+            <a:p>
+              <a:r>
+                <a:rPr lang="en-DE" dirty="0"/>
+                <a:t># Level3 overwrite</a:t>
+              </a:r>
+            </a:p>
+            <a:p>
+              <a:r>
+                <a:rPr lang="en-DE" dirty="0"/>
+                <a:t>export VAR_5=var_53</a:t>
+              </a:r>
+            </a:p>
+            <a:p>
+              <a:r>
+                <a:rPr lang="en-DE" dirty="0"/>
+                <a:t>export VAR_6=var_63  </a:t>
+              </a:r>
+            </a:p>
+          </p:txBody>
+        </p:sp>
+        <p:sp>
+          <p:nvSpPr>
+            <p:cNvPr id="22" name="TextBox 21">
+              <a:extLst>
+                <a:ext uri="{FF2B5EF4-FFF2-40B4-BE49-F238E27FC236}">
+                  <a16:creationId xmlns:a16="http://schemas.microsoft.com/office/drawing/2014/main" id="{FEBFD170-85E0-DA04-C98F-4ACF08E7943E}"/>
+                </a:ext>
+              </a:extLst>
+            </p:cNvPr>
+            <p:cNvSpPr txBox="1"/>
+            <p:nvPr/>
+          </p:nvSpPr>
+          <p:spPr>
+            <a:xfrm>
+              <a:off x="5160245" y="2695951"/>
+              <a:ext cx="1491177" cy="307777"/>
+            </a:xfrm>
+            <a:prstGeom prst="rect">
+              <a:avLst/>
+            </a:prstGeom>
+            <a:solidFill>
+              <a:schemeClr val="tx2">
+                <a:lumMod val="25000"/>
+              </a:schemeClr>
+            </a:solidFill>
+          </p:spPr>
+          <p:txBody>
+            <a:bodyPr wrap="none" rtlCol="0">
+              <a:spAutoFit/>
+            </a:bodyPr>
+            <a:lstStyle/>
+            <a:p>
+              <a:pPr algn="l"/>
+              <a:r>
+                <a:rPr lang="en-DE" sz="1400" dirty="0"/>
+                <a:t>shared/level3.env</a:t>
+              </a:r>
+            </a:p>
+          </p:txBody>
+        </p:sp>
+      </p:grpSp>
+      <p:grpSp>
+        <p:nvGrpSpPr>
+          <p:cNvPr id="29" name="Group 28">
+            <a:extLst>
+              <a:ext uri="{FF2B5EF4-FFF2-40B4-BE49-F238E27FC236}">
+                <a16:creationId xmlns:a16="http://schemas.microsoft.com/office/drawing/2014/main" id="{1B273454-7C6F-FF91-6450-C16BBCBE26D7}"/>
+              </a:ext>
+            </a:extLst>
+          </p:cNvPr>
+          <p:cNvGrpSpPr/>
+          <p:nvPr/>
+        </p:nvGrpSpPr>
+        <p:grpSpPr>
+          <a:xfrm>
+            <a:off x="5103117" y="5542891"/>
+            <a:ext cx="2662989" cy="1149989"/>
+            <a:chOff x="7911099" y="3429000"/>
+            <a:chExt cx="2662989" cy="1149989"/>
+          </a:xfrm>
+        </p:grpSpPr>
+        <p:sp>
+          <p:nvSpPr>
+            <p:cNvPr id="5" name="TextBox 4">
+              <a:extLst>
+                <a:ext uri="{FF2B5EF4-FFF2-40B4-BE49-F238E27FC236}">
+                  <a16:creationId xmlns:a16="http://schemas.microsoft.com/office/drawing/2014/main" id="{D5B38A7C-A901-CFD3-5ECB-2C2610DE0688}"/>
+                </a:ext>
+              </a:extLst>
+            </p:cNvPr>
+            <p:cNvSpPr txBox="1"/>
+            <p:nvPr/>
+          </p:nvSpPr>
+          <p:spPr>
+            <a:xfrm>
+              <a:off x="7911099" y="3655659"/>
+              <a:ext cx="2662989" cy="923330"/>
+            </a:xfrm>
+            <a:prstGeom prst="rect">
+              <a:avLst/>
+            </a:prstGeom>
+            <a:solidFill>
+              <a:schemeClr val="accent1">
+                <a:lumMod val="75000"/>
+              </a:schemeClr>
+            </a:solidFill>
+          </p:spPr>
+          <p:txBody>
+            <a:bodyPr wrap="square">
+              <a:spAutoFit/>
+            </a:bodyPr>
+            <a:lstStyle/>
+            <a:p>
+              <a:r>
+                <a:rPr lang="en-DE" dirty="0"/>
+                <a:t># rsenv: shared/level3.env</a:t>
+              </a:r>
+            </a:p>
+            <a:p>
+              <a:r>
+                <a:rPr lang="en-DE" dirty="0"/>
+                <a:t>export VAR_6=local_64</a:t>
+              </a:r>
+            </a:p>
+            <a:p>
+              <a:r>
+                <a:rPr lang="en-DE" dirty="0"/>
+                <a:t>export VAR_7=local_74</a:t>
+              </a:r>
+            </a:p>
+          </p:txBody>
+        </p:sp>
+        <p:sp>
+          <p:nvSpPr>
+            <p:cNvPr id="23" name="TextBox 22">
+              <a:extLst>
+                <a:ext uri="{FF2B5EF4-FFF2-40B4-BE49-F238E27FC236}">
+                  <a16:creationId xmlns:a16="http://schemas.microsoft.com/office/drawing/2014/main" id="{6D5B290E-82A0-D61F-49DC-0ED0A31447E0}"/>
+                </a:ext>
+              </a:extLst>
+            </p:cNvPr>
+            <p:cNvSpPr txBox="1"/>
+            <p:nvPr/>
+          </p:nvSpPr>
+          <p:spPr>
+            <a:xfrm>
+              <a:off x="8740273" y="3429000"/>
+              <a:ext cx="831061" cy="307777"/>
+            </a:xfrm>
+            <a:prstGeom prst="rect">
+              <a:avLst/>
+            </a:prstGeom>
+            <a:solidFill>
+              <a:schemeClr val="tx2">
+                <a:lumMod val="25000"/>
+              </a:schemeClr>
+            </a:solidFill>
+          </p:spPr>
+          <p:txBody>
+            <a:bodyPr wrap="none" rtlCol="0">
+              <a:spAutoFit/>
+            </a:bodyPr>
+            <a:lstStyle/>
+            <a:p>
+              <a:pPr algn="l"/>
+              <a:r>
+                <a:rPr lang="en-DE" sz="1400" dirty="0"/>
+                <a:t>local.env</a:t>
+              </a:r>
+            </a:p>
+          </p:txBody>
+        </p:sp>
+      </p:grpSp>
+      <p:grpSp>
+        <p:nvGrpSpPr>
+          <p:cNvPr id="28" name="Group 27">
+            <a:extLst>
+              <a:ext uri="{FF2B5EF4-FFF2-40B4-BE49-F238E27FC236}">
+                <a16:creationId xmlns:a16="http://schemas.microsoft.com/office/drawing/2014/main" id="{BA4FBEF2-3704-8CD0-810F-1A8CD4A22FF2}"/>
+              </a:ext>
+            </a:extLst>
+          </p:cNvPr>
+          <p:cNvGrpSpPr/>
+          <p:nvPr/>
+        </p:nvGrpSpPr>
+        <p:grpSpPr>
+          <a:xfrm>
+            <a:off x="5035687" y="1585840"/>
+            <a:ext cx="2609181" cy="1704860"/>
+            <a:chOff x="7911099" y="1503065"/>
+            <a:chExt cx="2609181" cy="1704860"/>
+          </a:xfrm>
+        </p:grpSpPr>
+        <p:sp>
+          <p:nvSpPr>
+            <p:cNvPr id="9" name="TextBox 8">
+              <a:extLst>
+                <a:ext uri="{FF2B5EF4-FFF2-40B4-BE49-F238E27FC236}">
+                  <a16:creationId xmlns:a16="http://schemas.microsoft.com/office/drawing/2014/main" id="{95433927-2883-A764-0155-A83C3A46E489}"/>
+                </a:ext>
+              </a:extLst>
+            </p:cNvPr>
+            <p:cNvSpPr txBox="1"/>
+            <p:nvPr/>
+          </p:nvSpPr>
+          <p:spPr>
+            <a:xfrm>
+              <a:off x="7911099" y="1730597"/>
+              <a:ext cx="2609181" cy="1477328"/>
+            </a:xfrm>
+            <a:prstGeom prst="rect">
+              <a:avLst/>
+            </a:prstGeom>
+            <a:solidFill>
+              <a:schemeClr val="accent1">
+                <a:lumMod val="75000"/>
+              </a:schemeClr>
+            </a:solidFill>
+          </p:spPr>
+          <p:txBody>
+            <a:bodyPr wrap="square">
+              <a:spAutoFit/>
+            </a:bodyPr>
+            <a:lstStyle/>
+            <a:p>
+              <a:r>
+                <a:rPr lang="en-DE" dirty="0"/>
+                <a:t># rsenv: global.env</a:t>
+              </a:r>
+            </a:p>
+            <a:p>
+              <a:endParaRPr lang="en-DE" dirty="0"/>
+            </a:p>
+            <a:p>
+              <a:r>
+                <a:rPr lang="en-DE" dirty="0"/>
+                <a:t># Level2 overwrite</a:t>
+              </a:r>
+            </a:p>
+            <a:p>
+              <a:r>
+                <a:rPr lang="en-DE" dirty="0"/>
+                <a:t>export VAR_4=cloud_42</a:t>
+              </a:r>
+            </a:p>
+            <a:p>
+              <a:r>
+                <a:rPr lang="en-DE" dirty="0"/>
+                <a:t>export VAR_5=cloud_52</a:t>
+              </a:r>
+            </a:p>
+          </p:txBody>
+        </p:sp>
+        <p:sp>
+          <p:nvSpPr>
+            <p:cNvPr id="24" name="TextBox 23">
+              <a:extLst>
+                <a:ext uri="{FF2B5EF4-FFF2-40B4-BE49-F238E27FC236}">
+                  <a16:creationId xmlns:a16="http://schemas.microsoft.com/office/drawing/2014/main" id="{F525F0C1-32DE-BA22-2C34-A25432AD5152}"/>
+                </a:ext>
+              </a:extLst>
+            </p:cNvPr>
+            <p:cNvSpPr txBox="1"/>
+            <p:nvPr/>
+          </p:nvSpPr>
+          <p:spPr>
+            <a:xfrm>
+              <a:off x="8541022" y="1503065"/>
+              <a:ext cx="1403141" cy="307777"/>
+            </a:xfrm>
+            <a:prstGeom prst="rect">
+              <a:avLst/>
+            </a:prstGeom>
+            <a:solidFill>
+              <a:schemeClr val="tx2">
+                <a:lumMod val="25000"/>
+              </a:schemeClr>
+            </a:solidFill>
+          </p:spPr>
+          <p:txBody>
+            <a:bodyPr wrap="none" rtlCol="0">
+              <a:spAutoFit/>
+            </a:bodyPr>
+            <a:lstStyle/>
+            <a:p>
+              <a:pPr algn="l"/>
+              <a:r>
+                <a:rPr lang="en-DE" sz="1400" dirty="0"/>
+                <a:t>global/cloud.env</a:t>
+              </a:r>
+            </a:p>
+          </p:txBody>
+        </p:sp>
+      </p:grpSp>
+      <p:grpSp>
+        <p:nvGrpSpPr>
+          <p:cNvPr id="26" name="Group 25">
+            <a:extLst>
+              <a:ext uri="{FF2B5EF4-FFF2-40B4-BE49-F238E27FC236}">
+                <a16:creationId xmlns:a16="http://schemas.microsoft.com/office/drawing/2014/main" id="{27F4813C-A1BD-B4B7-1CD0-2517B84D4615}"/>
+              </a:ext>
+            </a:extLst>
+          </p:cNvPr>
+          <p:cNvGrpSpPr/>
+          <p:nvPr/>
+        </p:nvGrpSpPr>
+        <p:grpSpPr>
+          <a:xfrm>
+            <a:off x="5194269" y="122404"/>
+            <a:ext cx="2345322" cy="1182104"/>
+            <a:chOff x="4448342" y="1010158"/>
+            <a:chExt cx="2345322" cy="1182104"/>
+          </a:xfrm>
+        </p:grpSpPr>
+        <p:sp>
+          <p:nvSpPr>
+            <p:cNvPr id="11" name="TextBox 10">
+              <a:extLst>
+                <a:ext uri="{FF2B5EF4-FFF2-40B4-BE49-F238E27FC236}">
+                  <a16:creationId xmlns:a16="http://schemas.microsoft.com/office/drawing/2014/main" id="{3585AD11-43D8-6F0C-87A5-6E8644837C3A}"/>
+                </a:ext>
+              </a:extLst>
+            </p:cNvPr>
+            <p:cNvSpPr txBox="1"/>
+            <p:nvPr/>
+          </p:nvSpPr>
+          <p:spPr>
+            <a:xfrm>
+              <a:off x="4448342" y="1268932"/>
+              <a:ext cx="2345322" cy="923330"/>
+            </a:xfrm>
+            <a:prstGeom prst="rect">
+              <a:avLst/>
+            </a:prstGeom>
+            <a:solidFill>
+              <a:schemeClr val="accent1">
+                <a:lumMod val="75000"/>
+              </a:schemeClr>
+            </a:solidFill>
+          </p:spPr>
+          <p:txBody>
+            <a:bodyPr wrap="square">
+              <a:spAutoFit/>
+            </a:bodyPr>
+            <a:lstStyle/>
+            <a:p>
+              <a:r>
+                <a:rPr lang="en-DE" dirty="0"/>
+                <a:t>export VAR_1=var_11</a:t>
+              </a:r>
+            </a:p>
+            <a:p>
+              <a:r>
+                <a:rPr lang="en-DE" dirty="0"/>
+                <a:t>export VAR_2=var_21</a:t>
+              </a:r>
+            </a:p>
+            <a:p>
+              <a:r>
+                <a:rPr lang="en-DE" dirty="0"/>
+                <a:t>export VAR_3=var_31</a:t>
+              </a:r>
+            </a:p>
+          </p:txBody>
+        </p:sp>
+        <p:sp>
+          <p:nvSpPr>
+            <p:cNvPr id="25" name="TextBox 24">
+              <a:extLst>
+                <a:ext uri="{FF2B5EF4-FFF2-40B4-BE49-F238E27FC236}">
+                  <a16:creationId xmlns:a16="http://schemas.microsoft.com/office/drawing/2014/main" id="{A2FAF83F-00C5-2408-BD6B-AC875FCC9333}"/>
+                </a:ext>
+              </a:extLst>
+            </p:cNvPr>
+            <p:cNvSpPr txBox="1"/>
+            <p:nvPr/>
+          </p:nvSpPr>
+          <p:spPr>
+            <a:xfrm>
+              <a:off x="4859041" y="1010158"/>
+              <a:ext cx="1537985" cy="307777"/>
+            </a:xfrm>
+            <a:prstGeom prst="rect">
+              <a:avLst/>
+            </a:prstGeom>
+            <a:solidFill>
+              <a:schemeClr val="tx2">
+                <a:lumMod val="25000"/>
+              </a:schemeClr>
+            </a:solidFill>
+          </p:spPr>
+          <p:txBody>
+            <a:bodyPr wrap="none" rtlCol="0">
+              <a:spAutoFit/>
+            </a:bodyPr>
+            <a:lstStyle/>
+            <a:p>
+              <a:pPr algn="l"/>
+              <a:r>
+                <a:rPr lang="en-DE" sz="1400" dirty="0"/>
+                <a:t>global/global1.env</a:t>
+              </a:r>
+            </a:p>
+          </p:txBody>
+        </p:sp>
+      </p:grpSp>
+      <p:cxnSp>
+        <p:nvCxnSpPr>
+          <p:cNvPr id="32" name="Straight Arrow Connector 31">
+            <a:extLst>
+              <a:ext uri="{FF2B5EF4-FFF2-40B4-BE49-F238E27FC236}">
+                <a16:creationId xmlns:a16="http://schemas.microsoft.com/office/drawing/2014/main" id="{61FD3185-0AFD-C42F-48BF-A9C8EBB13D93}"/>
+              </a:ext>
+            </a:extLst>
+          </p:cNvPr>
+          <p:cNvCxnSpPr>
+            <a:cxnSpLocks/>
+            <a:stCxn id="11" idx="2"/>
+            <a:endCxn id="24" idx="0"/>
+          </p:cNvCxnSpPr>
+          <p:nvPr/>
+        </p:nvCxnSpPr>
+        <p:spPr>
+          <a:xfrm>
+            <a:off x="6366930" y="1304508"/>
+            <a:ext cx="251" cy="281332"/>
+          </a:xfrm>
+          <a:prstGeom prst="straightConnector1">
+            <a:avLst/>
+          </a:prstGeom>
+          <a:ln>
+            <a:tailEnd type="triangle"/>
+          </a:ln>
+        </p:spPr>
+        <p:style>
+          <a:lnRef idx="3">
+            <a:schemeClr val="dk1"/>
+          </a:lnRef>
+          <a:fillRef idx="0">
+            <a:schemeClr val="dk1"/>
+          </a:fillRef>
+          <a:effectRef idx="2">
+            <a:schemeClr val="dk1"/>
+          </a:effectRef>
+          <a:fontRef idx="minor">
+            <a:schemeClr val="tx1"/>
+          </a:fontRef>
+        </p:style>
+      </p:cxnSp>
+      <p:cxnSp>
+        <p:nvCxnSpPr>
+          <p:cNvPr id="37" name="Elbow Connector 36">
+            <a:extLst>
+              <a:ext uri="{FF2B5EF4-FFF2-40B4-BE49-F238E27FC236}">
+                <a16:creationId xmlns:a16="http://schemas.microsoft.com/office/drawing/2014/main" id="{9087598B-AE8D-22C3-8B28-7117BF5CC753}"/>
+              </a:ext>
+            </a:extLst>
+          </p:cNvPr>
+          <p:cNvCxnSpPr>
+            <a:cxnSpLocks/>
+            <a:stCxn id="9" idx="2"/>
+            <a:endCxn id="22" idx="0"/>
+          </p:cNvCxnSpPr>
+          <p:nvPr/>
+        </p:nvCxnSpPr>
+        <p:spPr>
+          <a:xfrm rot="16200000" flipH="1">
+            <a:off x="6199592" y="3431385"/>
+            <a:ext cx="283833" cy="2461"/>
+          </a:xfrm>
+          <a:prstGeom prst="bentConnector3">
+            <a:avLst>
+              <a:gd name="adj1" fmla="val 50000"/>
+            </a:avLst>
+          </a:prstGeom>
+          <a:ln>
+            <a:tailEnd type="triangle"/>
+          </a:ln>
+        </p:spPr>
+        <p:style>
+          <a:lnRef idx="3">
+            <a:schemeClr val="dk1"/>
+          </a:lnRef>
+          <a:fillRef idx="0">
+            <a:schemeClr val="dk1"/>
+          </a:fillRef>
+          <a:effectRef idx="2">
+            <a:schemeClr val="dk1"/>
+          </a:effectRef>
+          <a:fontRef idx="minor">
+            <a:schemeClr val="tx1"/>
+          </a:fontRef>
+        </p:style>
+      </p:cxnSp>
+      <p:cxnSp>
+        <p:nvCxnSpPr>
+          <p:cNvPr id="38" name="Straight Arrow Connector 37">
+            <a:extLst>
+              <a:ext uri="{FF2B5EF4-FFF2-40B4-BE49-F238E27FC236}">
+                <a16:creationId xmlns:a16="http://schemas.microsoft.com/office/drawing/2014/main" id="{AFA335E6-5013-74FF-9D68-F876C635F9C2}"/>
+              </a:ext>
+            </a:extLst>
+          </p:cNvPr>
+          <p:cNvCxnSpPr>
+            <a:cxnSpLocks/>
+            <a:stCxn id="7" idx="2"/>
+            <a:endCxn id="23" idx="0"/>
+          </p:cNvCxnSpPr>
+          <p:nvPr/>
+        </p:nvCxnSpPr>
+        <p:spPr>
+          <a:xfrm>
+            <a:off x="6342739" y="5281982"/>
+            <a:ext cx="5083" cy="260909"/>
+          </a:xfrm>
+          <a:prstGeom prst="straightConnector1">
+            <a:avLst/>
+          </a:prstGeom>
+          <a:ln>
+            <a:tailEnd type="triangle"/>
+          </a:ln>
+        </p:spPr>
+        <p:style>
+          <a:lnRef idx="3">
+            <a:schemeClr val="dk1"/>
+          </a:lnRef>
+          <a:fillRef idx="0">
+            <a:schemeClr val="dk1"/>
+          </a:fillRef>
+          <a:effectRef idx="2">
+            <a:schemeClr val="dk1"/>
+          </a:effectRef>
+          <a:fontRef idx="minor">
+            <a:schemeClr val="tx1"/>
+          </a:fontRef>
+        </p:style>
+      </p:cxnSp>
+      <p:sp>
+        <p:nvSpPr>
+          <p:cNvPr id="42" name="Triangle 41">
+            <a:extLst>
+              <a:ext uri="{FF2B5EF4-FFF2-40B4-BE49-F238E27FC236}">
+                <a16:creationId xmlns:a16="http://schemas.microsoft.com/office/drawing/2014/main" id="{C86686F6-205B-B6A8-A561-CA1EBBE9F4DD}"/>
+              </a:ext>
+            </a:extLst>
+          </p:cNvPr>
+          <p:cNvSpPr/>
+          <p:nvPr/>
+        </p:nvSpPr>
+        <p:spPr>
+          <a:xfrm rot="5400000">
+            <a:off x="2151236" y="3364996"/>
+            <a:ext cx="3772643" cy="160949"/>
+          </a:xfrm>
+          <a:prstGeom prst="triangle">
+            <a:avLst/>
+          </a:prstGeom>
+          <a:ln>
+            <a:noFill/>
+          </a:ln>
+        </p:spPr>
+        <p:style>
+          <a:lnRef idx="2">
+            <a:schemeClr val="accent1">
+              <a:shade val="50000"/>
+            </a:schemeClr>
+          </a:lnRef>
+          <a:fillRef idx="1">
+            <a:schemeClr val="accent1"/>
+          </a:fillRef>
+          <a:effectRef idx="0">
+            <a:schemeClr val="accent1"/>
+          </a:effectRef>
+          <a:fontRef idx="minor">
+            <a:schemeClr val="lt1"/>
+          </a:fontRef>
+        </p:style>
+        <p:txBody>
+          <a:bodyPr rtlCol="0" anchor="ctr"/>
+          <a:lstStyle/>
+          <a:p>
+            <a:pPr algn="ctr"/>
+            <a:endParaRPr lang="en-DE" sz="1100" dirty="0"/>
+          </a:p>
+        </p:txBody>
+      </p:sp>
+      <p:sp>
+        <p:nvSpPr>
+          <p:cNvPr id="44" name="Rectangle 43">
+            <a:extLst>
+              <a:ext uri="{FF2B5EF4-FFF2-40B4-BE49-F238E27FC236}">
+                <a16:creationId xmlns:a16="http://schemas.microsoft.com/office/drawing/2014/main" id="{D0CCE4E1-0137-55C7-99F4-EC4A07931748}"/>
+              </a:ext>
+            </a:extLst>
+          </p:cNvPr>
+          <p:cNvSpPr/>
+          <p:nvPr/>
+        </p:nvSpPr>
+        <p:spPr>
+          <a:xfrm>
+            <a:off x="5103117" y="5769550"/>
+            <a:ext cx="2662989" cy="349134"/>
+          </a:xfrm>
+          <a:prstGeom prst="rect">
+            <a:avLst/>
+          </a:prstGeom>
+          <a:noFill/>
+          <a:ln w="38100">
+            <a:solidFill>
+              <a:srgbClr val="FF0000"/>
+            </a:solidFill>
+          </a:ln>
+        </p:spPr>
+        <p:style>
+          <a:lnRef idx="2">
+            <a:schemeClr val="accent1">
+              <a:shade val="50000"/>
+            </a:schemeClr>
+          </a:lnRef>
+          <a:fillRef idx="1">
+            <a:schemeClr val="accent1"/>
+          </a:fillRef>
+          <a:effectRef idx="0">
+            <a:schemeClr val="accent1"/>
+          </a:effectRef>
+          <a:fontRef idx="minor">
+            <a:schemeClr val="lt1"/>
+          </a:fontRef>
+        </p:style>
+        <p:txBody>
+          <a:bodyPr rtlCol="0" anchor="ctr"/>
+          <a:lstStyle/>
+          <a:p>
+            <a:pPr algn="ctr"/>
+            <a:endParaRPr lang="en-DE" sz="1100" dirty="0"/>
+          </a:p>
+        </p:txBody>
+      </p:sp>
+      <p:sp>
+        <p:nvSpPr>
+          <p:cNvPr id="46" name="Rectangle 45">
+            <a:extLst>
+              <a:ext uri="{FF2B5EF4-FFF2-40B4-BE49-F238E27FC236}">
+                <a16:creationId xmlns:a16="http://schemas.microsoft.com/office/drawing/2014/main" id="{71A7B818-83BA-40F4-58FF-831F15265680}"/>
+              </a:ext>
+            </a:extLst>
+          </p:cNvPr>
+          <p:cNvSpPr/>
+          <p:nvPr/>
+        </p:nvSpPr>
+        <p:spPr>
+          <a:xfrm>
+            <a:off x="4851123" y="3848905"/>
+            <a:ext cx="2914983" cy="349134"/>
+          </a:xfrm>
+          <a:prstGeom prst="rect">
+            <a:avLst/>
+          </a:prstGeom>
+          <a:noFill/>
+          <a:ln w="38100">
+            <a:solidFill>
+              <a:srgbClr val="FF0000"/>
+            </a:solidFill>
+          </a:ln>
+        </p:spPr>
+        <p:style>
+          <a:lnRef idx="2">
+            <a:schemeClr val="accent1">
+              <a:shade val="50000"/>
+            </a:schemeClr>
+          </a:lnRef>
+          <a:fillRef idx="1">
+            <a:schemeClr val="accent1"/>
+          </a:fillRef>
+          <a:effectRef idx="0">
+            <a:schemeClr val="accent1"/>
+          </a:effectRef>
+          <a:fontRef idx="minor">
+            <a:schemeClr val="lt1"/>
+          </a:fontRef>
+        </p:style>
+        <p:txBody>
+          <a:bodyPr rtlCol="0" anchor="ctr"/>
+          <a:lstStyle/>
+          <a:p>
+            <a:pPr algn="ctr"/>
+            <a:endParaRPr lang="en-DE" sz="1100" dirty="0"/>
+          </a:p>
+        </p:txBody>
+      </p:sp>
+      <p:sp>
+        <p:nvSpPr>
+          <p:cNvPr id="47" name="Rounded Rectangular Callout 46">
+            <a:extLst>
+              <a:ext uri="{FF2B5EF4-FFF2-40B4-BE49-F238E27FC236}">
+                <a16:creationId xmlns:a16="http://schemas.microsoft.com/office/drawing/2014/main" id="{8887EFD8-8DAB-C258-6BB2-A7B88F363688}"/>
+              </a:ext>
+            </a:extLst>
+          </p:cNvPr>
+          <p:cNvSpPr/>
+          <p:nvPr/>
+        </p:nvSpPr>
+        <p:spPr>
+          <a:xfrm>
+            <a:off x="7088327" y="4256904"/>
+            <a:ext cx="1073426" cy="374108"/>
+          </a:xfrm>
+          <a:prstGeom prst="wedgeRoundRectCallout">
+            <a:avLst>
+              <a:gd name="adj1" fmla="val -20833"/>
+              <a:gd name="adj2" fmla="val -61855"/>
+              <a:gd name="adj3" fmla="val 16667"/>
+            </a:avLst>
+          </a:prstGeom>
+          <a:solidFill>
+            <a:srgbClr val="FF0000"/>
+          </a:solidFill>
+        </p:spPr>
+        <p:style>
+          <a:lnRef idx="2">
+            <a:schemeClr val="accent1">
+              <a:shade val="50000"/>
+            </a:schemeClr>
+          </a:lnRef>
+          <a:fillRef idx="1">
+            <a:schemeClr val="accent1"/>
+          </a:fillRef>
+          <a:effectRef idx="0">
+            <a:schemeClr val="accent1"/>
+          </a:effectRef>
+          <a:fontRef idx="minor">
+            <a:schemeClr val="lt1"/>
+          </a:fontRef>
+        </p:style>
+        <p:txBody>
+          <a:bodyPr rtlCol="0" anchor="ctr"/>
+          <a:lstStyle/>
+          <a:p>
+            <a:pPr algn="ctr"/>
+            <a:r>
+              <a:rPr lang="en-DE" sz="1100" dirty="0"/>
+              <a:t>Link to parent</a:t>
+            </a:r>
+          </a:p>
+        </p:txBody>
+      </p:sp>
+      <p:sp>
+        <p:nvSpPr>
+          <p:cNvPr id="49" name="Rectangle 48">
+            <a:extLst>
+              <a:ext uri="{FF2B5EF4-FFF2-40B4-BE49-F238E27FC236}">
+                <a16:creationId xmlns:a16="http://schemas.microsoft.com/office/drawing/2014/main" id="{A7E4DE6E-127F-F36F-4B5A-0AD068AF8153}"/>
+              </a:ext>
+            </a:extLst>
+          </p:cNvPr>
+          <p:cNvSpPr/>
+          <p:nvPr/>
+        </p:nvSpPr>
+        <p:spPr>
+          <a:xfrm>
+            <a:off x="5020587" y="1834577"/>
+            <a:ext cx="2001275" cy="349134"/>
+          </a:xfrm>
+          <a:prstGeom prst="rect">
+            <a:avLst/>
+          </a:prstGeom>
+          <a:noFill/>
+          <a:ln w="38100">
+            <a:solidFill>
+              <a:srgbClr val="FF0000"/>
+            </a:solidFill>
+          </a:ln>
+        </p:spPr>
+        <p:style>
+          <a:lnRef idx="2">
+            <a:schemeClr val="accent1">
+              <a:shade val="50000"/>
+            </a:schemeClr>
+          </a:lnRef>
+          <a:fillRef idx="1">
+            <a:schemeClr val="accent1"/>
+          </a:fillRef>
+          <a:effectRef idx="0">
+            <a:schemeClr val="accent1"/>
+          </a:effectRef>
+          <a:fontRef idx="minor">
+            <a:schemeClr val="lt1"/>
+          </a:fontRef>
+        </p:style>
+        <p:txBody>
+          <a:bodyPr rtlCol="0" anchor="ctr"/>
+          <a:lstStyle/>
+          <a:p>
+            <a:pPr algn="ctr"/>
+            <a:endParaRPr lang="en-DE" sz="1100" dirty="0"/>
+          </a:p>
+        </p:txBody>
+      </p:sp>
+      <p:sp>
+        <p:nvSpPr>
+          <p:cNvPr id="50" name="Rounded Rectangular Callout 49">
+            <a:extLst>
+              <a:ext uri="{FF2B5EF4-FFF2-40B4-BE49-F238E27FC236}">
+                <a16:creationId xmlns:a16="http://schemas.microsoft.com/office/drawing/2014/main" id="{153CF3B0-2894-3E94-1AF8-FC19BA89CC8E}"/>
+              </a:ext>
+            </a:extLst>
+          </p:cNvPr>
+          <p:cNvSpPr/>
+          <p:nvPr/>
+        </p:nvSpPr>
+        <p:spPr>
+          <a:xfrm>
+            <a:off x="6999220" y="2226455"/>
+            <a:ext cx="1073426" cy="374108"/>
+          </a:xfrm>
+          <a:prstGeom prst="wedgeRoundRectCallout">
+            <a:avLst>
+              <a:gd name="adj1" fmla="val -40261"/>
+              <a:gd name="adj2" fmla="val -79007"/>
+              <a:gd name="adj3" fmla="val 16667"/>
+            </a:avLst>
+          </a:prstGeom>
+          <a:solidFill>
+            <a:srgbClr val="FF0000"/>
+          </a:solidFill>
+        </p:spPr>
+        <p:style>
+          <a:lnRef idx="2">
+            <a:schemeClr val="accent1">
+              <a:shade val="50000"/>
+            </a:schemeClr>
+          </a:lnRef>
+          <a:fillRef idx="1">
+            <a:schemeClr val="accent1"/>
+          </a:fillRef>
+          <a:effectRef idx="0">
+            <a:schemeClr val="accent1"/>
+          </a:effectRef>
+          <a:fontRef idx="minor">
+            <a:schemeClr val="lt1"/>
+          </a:fontRef>
+        </p:style>
+        <p:txBody>
+          <a:bodyPr rtlCol="0" anchor="ctr"/>
+          <a:lstStyle/>
+          <a:p>
+            <a:pPr algn="ctr"/>
+            <a:r>
+              <a:rPr lang="en-DE" sz="1100" dirty="0"/>
+              <a:t>Link to parent</a:t>
+            </a:r>
+          </a:p>
+        </p:txBody>
+      </p:sp>
+      <p:pic>
+        <p:nvPicPr>
+          <p:cNvPr id="14" name="Picture 13">
+            <a:extLst>
+              <a:ext uri="{FF2B5EF4-FFF2-40B4-BE49-F238E27FC236}">
+                <a16:creationId xmlns:a16="http://schemas.microsoft.com/office/drawing/2014/main" id="{0355E8CE-E475-53C9-30AF-2175F62B6AA2}"/>
+              </a:ext>
+            </a:extLst>
+          </p:cNvPr>
+          <p:cNvPicPr>
+            <a:picLocks noChangeAspect="1"/>
+          </p:cNvPicPr>
+          <p:nvPr/>
+        </p:nvPicPr>
+        <p:blipFill>
+          <a:blip r:embed="rId3"/>
+          <a:stretch>
+            <a:fillRect/>
+          </a:stretch>
+        </p:blipFill>
+        <p:spPr>
+          <a:xfrm>
+            <a:off x="8889010" y="1120876"/>
+            <a:ext cx="1730538" cy="3136028"/>
+          </a:xfrm>
+          <a:prstGeom prst="rect">
+            <a:avLst/>
+          </a:prstGeom>
+        </p:spPr>
+      </p:pic>
+    </p:spTree>
+    <p:extLst>
+      <p:ext uri="{BB962C8B-B14F-4D97-AF65-F5344CB8AC3E}">
+        <p14:creationId xmlns:p14="http://schemas.microsoft.com/office/powerpoint/2010/main" val="1145558190"/>
+      </p:ext>
+    </p:extLst>
+  </p:cSld>
+  <p:clrMapOvr>
+    <a:masterClrMapping/>
+  </p:clrMapOvr>
+</p:sld>
+</file>
+
+<file path=ppt/slides/slide4.xml><?xml version="1.0" encoding="utf-8"?>
+<p:sld xmlns:a="http://schemas.openxmlformats.org/drawingml/2006/main" xmlns:r="http://schemas.openxmlformats.org/officeDocument/2006/relationships" xmlns:p="http://schemas.openxmlformats.org/presentationml/2006/main">
+  <p:cSld>
+    <p:spTree>
+      <p:nvGrpSpPr>
+        <p:cNvPr id="1" name=""/>
+        <p:cNvGrpSpPr/>
+        <p:nvPr/>
+      </p:nvGrpSpPr>
+      <p:grpSpPr>
+        <a:xfrm>
+          <a:off x="0" y="0"/>
+          <a:ext cx="0" cy="0"/>
+          <a:chOff x="0" y="0"/>
+          <a:chExt cx="0" cy="0"/>
+        </a:xfrm>
+      </p:grpSpPr>
+      <p:sp>
+        <p:nvSpPr>
+          <p:cNvPr id="2" name="Title 1">
+            <a:extLst>
+              <a:ext uri="{FF2B5EF4-FFF2-40B4-BE49-F238E27FC236}">
+                <a16:creationId xmlns:a16="http://schemas.microsoft.com/office/drawing/2014/main" id="{3EC494D0-D775-FB7B-23C5-0F77CF74C8AB}"/>
+              </a:ext>
+            </a:extLst>
+          </p:cNvPr>
+          <p:cNvSpPr>
+            <a:spLocks noGrp="1"/>
+          </p:cNvSpPr>
+          <p:nvPr>
+            <p:ph type="title"/>
+          </p:nvPr>
+        </p:nvSpPr>
+        <p:spPr/>
+        <p:txBody>
+          <a:bodyPr/>
+          <a:lstStyle/>
+          <a:p>
+            <a:endParaRPr lang="en-DE"/>
+          </a:p>
+        </p:txBody>
+      </p:sp>
+      <p:sp>
+        <p:nvSpPr>
+          <p:cNvPr id="4" name="TextBox 3">
+            <a:extLst>
+              <a:ext uri="{FF2B5EF4-FFF2-40B4-BE49-F238E27FC236}">
+                <a16:creationId xmlns:a16="http://schemas.microsoft.com/office/drawing/2014/main" id="{FBA705FF-E2B8-0B59-D28F-CF5573076A3C}"/>
+              </a:ext>
+            </a:extLst>
+          </p:cNvPr>
+          <p:cNvSpPr txBox="1"/>
+          <p:nvPr/>
+        </p:nvSpPr>
+        <p:spPr>
+          <a:xfrm>
+            <a:off x="1526837" y="2209978"/>
+            <a:ext cx="2642040" cy="2308324"/>
+          </a:xfrm>
+          <a:prstGeom prst="rect">
+            <a:avLst/>
+          </a:prstGeom>
+          <a:solidFill>
+            <a:schemeClr val="accent1">
+              <a:lumMod val="75000"/>
+            </a:schemeClr>
+          </a:solidFill>
+        </p:spPr>
+        <p:txBody>
+          <a:bodyPr wrap="square">
+            <a:spAutoFit/>
+          </a:bodyPr>
+          <a:lstStyle/>
+          <a:p>
+            <a:r>
+              <a:rPr lang="en-DE" dirty="0"/>
+              <a:t># final variable set</a:t>
+            </a:r>
+          </a:p>
+          <a:p>
+            <a:r>
+              <a:rPr lang="en-DE" dirty="0"/>
+              <a:t>export VAR_1=var_11</a:t>
+            </a:r>
+          </a:p>
+          <a:p>
+            <a:r>
+              <a:rPr lang="en-DE" dirty="0"/>
+              <a:t>export VAR_2=var_21</a:t>
+            </a:r>
+          </a:p>
+          <a:p>
+            <a:r>
+              <a:rPr lang="en-DE" dirty="0"/>
+              <a:t>export VAR_3=var_31</a:t>
+            </a:r>
+          </a:p>
+          <a:p>
+            <a:r>
+              <a:rPr lang="en-DE" dirty="0"/>
+              <a:t>export VAR_4=cloud_42</a:t>
+            </a:r>
+          </a:p>
+          <a:p>
+            <a:r>
+              <a:rPr lang="en-DE" dirty="0"/>
+              <a:t>export VAR_5=var_53</a:t>
+            </a:r>
+          </a:p>
+          <a:p>
+            <a:r>
+              <a:rPr lang="en-DE" dirty="0"/>
+              <a:t>export VAR_6=local_64</a:t>
+            </a:r>
+          </a:p>
+          <a:p>
+            <a:r>
+              <a:rPr lang="en-DE" dirty="0"/>
+              <a:t>export VAR_7=local_74</a:t>
+            </a:r>
+          </a:p>
+        </p:txBody>
+      </p:sp>
+    </p:spTree>
+    <p:extLst>
+      <p:ext uri="{BB962C8B-B14F-4D97-AF65-F5344CB8AC3E}">
+        <p14:creationId xmlns:p14="http://schemas.microsoft.com/office/powerpoint/2010/main" val="698199997"/>
+      </p:ext>
+    </p:extLst>
+  </p:cSld>
+  <p:clrMapOvr>
+    <a:masterClrMapping/>
+  </p:clrMapOvr>
+</p:sld>
+</file>
+
+<file path=ppt/slides/slide5.xml><?xml version="1.0" encoding="utf-8"?>
+<p:sld xmlns:a="http://schemas.openxmlformats.org/drawingml/2006/main" xmlns:r="http://schemas.openxmlformats.org/officeDocument/2006/relationships" xmlns:p="http://schemas.openxmlformats.org/presentationml/2006/main">
+  <p:cSld>
+    <p:spTree>
+      <p:nvGrpSpPr>
+        <p:cNvPr id="1" name=""/>
+        <p:cNvGrpSpPr/>
+        <p:nvPr/>
+      </p:nvGrpSpPr>
+      <p:grpSpPr>
+        <a:xfrm>
+          <a:off x="0" y="0"/>
+          <a:ext cx="0" cy="0"/>
+          <a:chOff x="0" y="0"/>
+          <a:chExt cx="0" cy="0"/>
+        </a:xfrm>
+      </p:grpSpPr>
       <p:sp>
         <p:nvSpPr>
           <p:cNvPr id="2" name="Title 1">
@@ -4355,6 +5498,91 @@
     <p:extLst>
       <p:ext uri="{BB962C8B-B14F-4D97-AF65-F5344CB8AC3E}">
         <p14:creationId xmlns:p14="http://schemas.microsoft.com/office/powerpoint/2010/main" val="1866129039"/>
+      </p:ext>
+    </p:extLst>
+  </p:cSld>
+  <p:clrMapOvr>
+    <a:masterClrMapping/>
+  </p:clrMapOvr>
+</p:sld>
+</file>
+
+<file path=ppt/slides/slide6.xml><?xml version="1.0" encoding="utf-8"?>
+<p:sld xmlns:a="http://schemas.openxmlformats.org/drawingml/2006/main" xmlns:r="http://schemas.openxmlformats.org/officeDocument/2006/relationships" xmlns:p="http://schemas.openxmlformats.org/presentationml/2006/main">
+  <p:cSld>
+    <p:spTree>
+      <p:nvGrpSpPr>
+        <p:cNvPr id="1" name=""/>
+        <p:cNvGrpSpPr/>
+        <p:nvPr/>
+      </p:nvGrpSpPr>
+      <p:grpSpPr>
+        <a:xfrm>
+          <a:off x="0" y="0"/>
+          <a:ext cx="0" cy="0"/>
+          <a:chOff x="0" y="0"/>
+          <a:chExt cx="0" cy="0"/>
+        </a:xfrm>
+      </p:grpSpPr>
+      <p:sp>
+        <p:nvSpPr>
+          <p:cNvPr id="2" name="Title 1">
+            <a:extLst>
+              <a:ext uri="{FF2B5EF4-FFF2-40B4-BE49-F238E27FC236}">
+                <a16:creationId xmlns:a16="http://schemas.microsoft.com/office/drawing/2014/main" id="{3203343B-789C-FD7A-EB9F-B997CE7384C8}"/>
+              </a:ext>
+            </a:extLst>
+          </p:cNvPr>
+          <p:cNvSpPr>
+            <a:spLocks noGrp="1"/>
+          </p:cNvSpPr>
+          <p:nvPr>
+            <p:ph type="title"/>
+          </p:nvPr>
+        </p:nvSpPr>
+        <p:spPr/>
+        <p:txBody>
+          <a:bodyPr/>
+          <a:lstStyle/>
+          <a:p>
+            <a:endParaRPr lang="en-DE"/>
+          </a:p>
+        </p:txBody>
+      </p:sp>
+      <p:pic>
+        <p:nvPicPr>
+          <p:cNvPr id="3" name="Picture 2">
+            <a:extLst>
+              <a:ext uri="{FF2B5EF4-FFF2-40B4-BE49-F238E27FC236}">
+                <a16:creationId xmlns:a16="http://schemas.microsoft.com/office/drawing/2014/main" id="{5D7F7640-B712-9919-E3CC-304448961803}"/>
+              </a:ext>
+            </a:extLst>
+          </p:cNvPr>
+          <p:cNvPicPr>
+            <a:picLocks noChangeAspect="1"/>
+          </p:cNvPicPr>
+          <p:nvPr/>
+        </p:nvPicPr>
+        <p:blipFill>
+          <a:blip r:embed="rId2"/>
+          <a:stretch>
+            <a:fillRect/>
+          </a:stretch>
+        </p:blipFill>
+        <p:spPr>
+          <a:xfrm>
+            <a:off x="749300" y="1352846"/>
+            <a:ext cx="9210408" cy="4152307"/>
+          </a:xfrm>
+          <a:prstGeom prst="rect">
+            <a:avLst/>
+          </a:prstGeom>
+        </p:spPr>
+      </p:pic>
+    </p:spTree>
+    <p:extLst>
+      <p:ext uri="{BB962C8B-B14F-4D97-AF65-F5344CB8AC3E}">
+        <p14:creationId xmlns:p14="http://schemas.microsoft.com/office/powerpoint/2010/main" val="1871946703"/>
       </p:ext>
     </p:extLst>
   </p:cSld>

--- a/doc/rsenv.pptx
+++ b/doc/rsenv.pptx
@@ -266,7 +266,7 @@
           <a:p>
             <a:fld id="{94EAEABD-DE79-9141-AFA2-A3447ADAF287}" type="datetimeFigureOut">
               <a:rPr lang="en-DE" smtClean="0"/>
-              <a:t>31.08.23</a:t>
+              <a:t>01.09.23</a:t>
             </a:fld>
             <a:endParaRPr lang="en-DE"/>
           </a:p>
@@ -466,7 +466,7 @@
           <a:p>
             <a:fld id="{94EAEABD-DE79-9141-AFA2-A3447ADAF287}" type="datetimeFigureOut">
               <a:rPr lang="en-DE" smtClean="0"/>
-              <a:t>31.08.23</a:t>
+              <a:t>01.09.23</a:t>
             </a:fld>
             <a:endParaRPr lang="en-DE"/>
           </a:p>
@@ -742,7 +742,7 @@
           <a:p>
             <a:fld id="{94EAEABD-DE79-9141-AFA2-A3447ADAF287}" type="datetimeFigureOut">
               <a:rPr lang="en-DE" smtClean="0"/>
-              <a:t>31.08.23</a:t>
+              <a:t>01.09.23</a:t>
             </a:fld>
             <a:endParaRPr lang="en-DE"/>
           </a:p>
@@ -1010,7 +1010,7 @@
           <a:p>
             <a:fld id="{94EAEABD-DE79-9141-AFA2-A3447ADAF287}" type="datetimeFigureOut">
               <a:rPr lang="en-DE" smtClean="0"/>
-              <a:t>31.08.23</a:t>
+              <a:t>01.09.23</a:t>
             </a:fld>
             <a:endParaRPr lang="en-DE"/>
           </a:p>
@@ -1425,7 +1425,7 @@
           <a:p>
             <a:fld id="{94EAEABD-DE79-9141-AFA2-A3447ADAF287}" type="datetimeFigureOut">
               <a:rPr lang="en-DE" smtClean="0"/>
-              <a:t>31.08.23</a:t>
+              <a:t>01.09.23</a:t>
             </a:fld>
             <a:endParaRPr lang="en-DE"/>
           </a:p>
@@ -1572,7 +1572,7 @@
           <a:p>
             <a:fld id="{94EAEABD-DE79-9141-AFA2-A3447ADAF287}" type="datetimeFigureOut">
               <a:rPr lang="en-DE" smtClean="0"/>
-              <a:t>31.08.23</a:t>
+              <a:t>01.09.23</a:t>
             </a:fld>
             <a:endParaRPr lang="en-DE"/>
           </a:p>
@@ -1685,7 +1685,7 @@
           <a:p>
             <a:fld id="{94EAEABD-DE79-9141-AFA2-A3447ADAF287}" type="datetimeFigureOut">
               <a:rPr lang="en-DE" smtClean="0"/>
-              <a:t>31.08.23</a:t>
+              <a:t>01.09.23</a:t>
             </a:fld>
             <a:endParaRPr lang="en-DE"/>
           </a:p>
@@ -1934,7 +1934,7 @@
           <a:p>
             <a:fld id="{94EAEABD-DE79-9141-AFA2-A3447ADAF287}" type="datetimeFigureOut">
               <a:rPr lang="en-DE" smtClean="0"/>
-              <a:t>31.08.23</a:t>
+              <a:t>01.09.23</a:t>
             </a:fld>
             <a:endParaRPr lang="en-DE"/>
           </a:p>
@@ -4866,6 +4866,141 @@
       </p:grpSpPr>
       <p:sp>
         <p:nvSpPr>
+          <p:cNvPr id="9" name="TextBox 8">
+            <a:extLst>
+              <a:ext uri="{FF2B5EF4-FFF2-40B4-BE49-F238E27FC236}">
+                <a16:creationId xmlns:a16="http://schemas.microsoft.com/office/drawing/2014/main" id="{08689DEE-21DC-CFCB-561B-A7A0310892AC}"/>
+              </a:ext>
+            </a:extLst>
+          </p:cNvPr>
+          <p:cNvSpPr txBox="1"/>
+          <p:nvPr/>
+        </p:nvSpPr>
+        <p:spPr>
+          <a:xfrm>
+            <a:off x="4755973" y="1648494"/>
+            <a:ext cx="2133384" cy="4117605"/>
+          </a:xfrm>
+          <a:prstGeom prst="rect">
+            <a:avLst/>
+          </a:prstGeom>
+          <a:noFill/>
+          <a:ln>
+            <a:solidFill>
+              <a:srgbClr val="002060"/>
+            </a:solidFill>
+          </a:ln>
+        </p:spPr>
+        <p:txBody>
+          <a:bodyPr wrap="square" rtlCol="0">
+            <a:noAutofit/>
+          </a:bodyPr>
+          <a:lstStyle/>
+          <a:p>
+            <a:pPr algn="ctr"/>
+            <a:r>
+              <a:rPr lang="en-DE" sz="1400" dirty="0">
+                <a:solidFill>
+                  <a:srgbClr val="002060"/>
+                </a:solidFill>
+              </a:rPr>
+              <a:t>Logical Dependency</a:t>
+            </a:r>
+          </a:p>
+        </p:txBody>
+      </p:sp>
+      <p:sp>
+        <p:nvSpPr>
+          <p:cNvPr id="10" name="TextBox 9">
+            <a:extLst>
+              <a:ext uri="{FF2B5EF4-FFF2-40B4-BE49-F238E27FC236}">
+                <a16:creationId xmlns:a16="http://schemas.microsoft.com/office/drawing/2014/main" id="{39481C4E-F20E-63A1-B117-287F64B7BBAC}"/>
+              </a:ext>
+            </a:extLst>
+          </p:cNvPr>
+          <p:cNvSpPr txBox="1"/>
+          <p:nvPr/>
+        </p:nvSpPr>
+        <p:spPr>
+          <a:xfrm>
+            <a:off x="6889357" y="1648494"/>
+            <a:ext cx="2133384" cy="4117605"/>
+          </a:xfrm>
+          <a:prstGeom prst="rect">
+            <a:avLst/>
+          </a:prstGeom>
+          <a:noFill/>
+          <a:ln>
+            <a:solidFill>
+              <a:srgbClr val="002060"/>
+            </a:solidFill>
+          </a:ln>
+        </p:spPr>
+        <p:txBody>
+          <a:bodyPr wrap="square" rtlCol="0">
+            <a:noAutofit/>
+          </a:bodyPr>
+          <a:lstStyle/>
+          <a:p>
+            <a:pPr algn="ctr"/>
+            <a:r>
+              <a:rPr lang="en-DE" sz="1400" dirty="0">
+                <a:solidFill>
+                  <a:srgbClr val="002060"/>
+                </a:solidFill>
+              </a:rPr>
+              <a:t>Resulting Variable Set</a:t>
+            </a:r>
+          </a:p>
+        </p:txBody>
+      </p:sp>
+      <p:sp>
+        <p:nvSpPr>
+          <p:cNvPr id="8" name="TextBox 7">
+            <a:extLst>
+              <a:ext uri="{FF2B5EF4-FFF2-40B4-BE49-F238E27FC236}">
+                <a16:creationId xmlns:a16="http://schemas.microsoft.com/office/drawing/2014/main" id="{5393DB2E-894B-A22D-E1D6-A3F4A5BB9F01}"/>
+              </a:ext>
+            </a:extLst>
+          </p:cNvPr>
+          <p:cNvSpPr txBox="1"/>
+          <p:nvPr/>
+        </p:nvSpPr>
+        <p:spPr>
+          <a:xfrm>
+            <a:off x="2622589" y="1648494"/>
+            <a:ext cx="2133384" cy="4117605"/>
+          </a:xfrm>
+          <a:prstGeom prst="rect">
+            <a:avLst/>
+          </a:prstGeom>
+          <a:noFill/>
+          <a:ln>
+            <a:solidFill>
+              <a:srgbClr val="002060"/>
+            </a:solidFill>
+          </a:ln>
+        </p:spPr>
+        <p:txBody>
+          <a:bodyPr wrap="square" rtlCol="0">
+            <a:noAutofit/>
+          </a:bodyPr>
+          <a:lstStyle/>
+          <a:p>
+            <a:pPr algn="ctr"/>
+            <a:r>
+              <a:rPr lang="en-DE" sz="1400" dirty="0">
+                <a:solidFill>
+                  <a:srgbClr val="002060"/>
+                </a:solidFill>
+              </a:rPr>
+              <a:t>Filesystem Layout</a:t>
+            </a:r>
+          </a:p>
+        </p:txBody>
+      </p:sp>
+      <p:sp>
+        <p:nvSpPr>
           <p:cNvPr id="2" name="Title 1">
             <a:extLst>
               <a:ext uri="{FF2B5EF4-FFF2-40B4-BE49-F238E27FC236}">
@@ -4885,7 +5020,10 @@
           <a:bodyPr/>
           <a:lstStyle/>
           <a:p>
-            <a:endParaRPr lang="en-DE"/>
+            <a:r>
+              <a:rPr lang="en-DE" dirty="0"/>
+              <a:t>readme</a:t>
+            </a:r>
           </a:p>
         </p:txBody>
       </p:sp>
@@ -4903,8 +5041,8 @@
         </p:nvSpPr>
         <p:spPr>
           <a:xfrm>
-            <a:off x="1526837" y="2209978"/>
-            <a:ext cx="2642040" cy="2308324"/>
+            <a:off x="7134792" y="3061110"/>
+            <a:ext cx="1730538" cy="1277273"/>
           </a:xfrm>
           <a:prstGeom prst="rect">
             <a:avLst/>
@@ -4922,54 +5060,108 @@
           <a:lstStyle/>
           <a:p>
             <a:r>
-              <a:rPr lang="en-DE" dirty="0"/>
-              <a:t># final variable set</a:t>
-            </a:r>
-          </a:p>
-          <a:p>
-            <a:r>
-              <a:rPr lang="en-DE" dirty="0"/>
+              <a:rPr lang="en-DE" sz="1100" dirty="0"/>
               <a:t>export VAR_1=var_11</a:t>
             </a:r>
           </a:p>
           <a:p>
             <a:r>
-              <a:rPr lang="en-DE" dirty="0"/>
+              <a:rPr lang="en-DE" sz="1100" dirty="0"/>
               <a:t>export VAR_2=var_21</a:t>
             </a:r>
           </a:p>
           <a:p>
             <a:r>
-              <a:rPr lang="en-DE" dirty="0"/>
+              <a:rPr lang="en-DE" sz="1100" dirty="0"/>
               <a:t>export VAR_3=var_31</a:t>
             </a:r>
           </a:p>
           <a:p>
             <a:r>
-              <a:rPr lang="en-DE" dirty="0"/>
+              <a:rPr lang="en-DE" sz="1100" dirty="0"/>
               <a:t>export VAR_4=cloud_42</a:t>
             </a:r>
           </a:p>
           <a:p>
             <a:r>
-              <a:rPr lang="en-DE" dirty="0"/>
+              <a:rPr lang="en-DE" sz="1100" dirty="0"/>
               <a:t>export VAR_5=var_53</a:t>
             </a:r>
           </a:p>
           <a:p>
             <a:r>
-              <a:rPr lang="en-DE" dirty="0"/>
+              <a:rPr lang="en-DE" sz="1100" dirty="0"/>
               <a:t>export VAR_6=local_64</a:t>
             </a:r>
           </a:p>
           <a:p>
             <a:r>
-              <a:rPr lang="en-DE" dirty="0"/>
+              <a:rPr lang="en-DE" sz="1100" dirty="0"/>
               <a:t>export VAR_7=local_74</a:t>
             </a:r>
           </a:p>
         </p:txBody>
       </p:sp>
+      <p:pic>
+        <p:nvPicPr>
+          <p:cNvPr id="3" name="Picture 2">
+            <a:extLst>
+              <a:ext uri="{FF2B5EF4-FFF2-40B4-BE49-F238E27FC236}">
+                <a16:creationId xmlns:a16="http://schemas.microsoft.com/office/drawing/2014/main" id="{18CA8715-0B85-8557-7E62-A8503177A64A}"/>
+              </a:ext>
+            </a:extLst>
+          </p:cNvPr>
+          <p:cNvPicPr>
+            <a:picLocks noChangeAspect="1"/>
+          </p:cNvPicPr>
+          <p:nvPr/>
+        </p:nvPicPr>
+        <p:blipFill>
+          <a:blip r:embed="rId2"/>
+          <a:stretch>
+            <a:fillRect/>
+          </a:stretch>
+        </p:blipFill>
+        <p:spPr>
+          <a:xfrm>
+            <a:off x="2841509" y="3061110"/>
+            <a:ext cx="1669029" cy="1476785"/>
+          </a:xfrm>
+          <a:prstGeom prst="rect">
+            <a:avLst/>
+          </a:prstGeom>
+        </p:spPr>
+      </p:pic>
+      <p:pic>
+        <p:nvPicPr>
+          <p:cNvPr id="6" name="Picture 5">
+            <a:extLst>
+              <a:ext uri="{FF2B5EF4-FFF2-40B4-BE49-F238E27FC236}">
+                <a16:creationId xmlns:a16="http://schemas.microsoft.com/office/drawing/2014/main" id="{9D69F07D-CAE4-619D-B3E6-A41F3D7C35CA}"/>
+              </a:ext>
+            </a:extLst>
+          </p:cNvPr>
+          <p:cNvPicPr>
+            <a:picLocks noChangeAspect="1"/>
+          </p:cNvPicPr>
+          <p:nvPr/>
+        </p:nvPicPr>
+        <p:blipFill>
+          <a:blip r:embed="rId3"/>
+          <a:stretch>
+            <a:fillRect/>
+          </a:stretch>
+        </p:blipFill>
+        <p:spPr>
+          <a:xfrm>
+            <a:off x="5001408" y="2301010"/>
+            <a:ext cx="1730538" cy="3136028"/>
+          </a:xfrm>
+          <a:prstGeom prst="rect">
+            <a:avLst/>
+          </a:prstGeom>
+        </p:spPr>
+      </p:pic>
     </p:spTree>
     <p:extLst>
       <p:ext uri="{BB962C8B-B14F-4D97-AF65-F5344CB8AC3E}">

--- a/doc/rsenv.pptx
+++ b/doc/rsenv.pptx
@@ -11,6 +11,7 @@
     <p:sldId id="260" r:id="rId5"/>
     <p:sldId id="257" r:id="rId6"/>
     <p:sldId id="261" r:id="rId7"/>
+    <p:sldId id="262" r:id="rId8"/>
   </p:sldIdLst>
   <p:sldSz cx="12192000" cy="6858000"/>
   <p:notesSz cx="6858000" cy="9144000"/>
@@ -266,7 +267,7 @@
           <a:p>
             <a:fld id="{94EAEABD-DE79-9141-AFA2-A3447ADAF287}" type="datetimeFigureOut">
               <a:rPr lang="en-DE" smtClean="0"/>
-              <a:t>01.09.23</a:t>
+              <a:t>04.09.23</a:t>
             </a:fld>
             <a:endParaRPr lang="en-DE"/>
           </a:p>
@@ -466,7 +467,7 @@
           <a:p>
             <a:fld id="{94EAEABD-DE79-9141-AFA2-A3447ADAF287}" type="datetimeFigureOut">
               <a:rPr lang="en-DE" smtClean="0"/>
-              <a:t>01.09.23</a:t>
+              <a:t>04.09.23</a:t>
             </a:fld>
             <a:endParaRPr lang="en-DE"/>
           </a:p>
@@ -742,7 +743,7 @@
           <a:p>
             <a:fld id="{94EAEABD-DE79-9141-AFA2-A3447ADAF287}" type="datetimeFigureOut">
               <a:rPr lang="en-DE" smtClean="0"/>
-              <a:t>01.09.23</a:t>
+              <a:t>04.09.23</a:t>
             </a:fld>
             <a:endParaRPr lang="en-DE"/>
           </a:p>
@@ -1010,7 +1011,7 @@
           <a:p>
             <a:fld id="{94EAEABD-DE79-9141-AFA2-A3447ADAF287}" type="datetimeFigureOut">
               <a:rPr lang="en-DE" smtClean="0"/>
-              <a:t>01.09.23</a:t>
+              <a:t>04.09.23</a:t>
             </a:fld>
             <a:endParaRPr lang="en-DE"/>
           </a:p>
@@ -1425,7 +1426,7 @@
           <a:p>
             <a:fld id="{94EAEABD-DE79-9141-AFA2-A3447ADAF287}" type="datetimeFigureOut">
               <a:rPr lang="en-DE" smtClean="0"/>
-              <a:t>01.09.23</a:t>
+              <a:t>04.09.23</a:t>
             </a:fld>
             <a:endParaRPr lang="en-DE"/>
           </a:p>
@@ -1572,7 +1573,7 @@
           <a:p>
             <a:fld id="{94EAEABD-DE79-9141-AFA2-A3447ADAF287}" type="datetimeFigureOut">
               <a:rPr lang="en-DE" smtClean="0"/>
-              <a:t>01.09.23</a:t>
+              <a:t>04.09.23</a:t>
             </a:fld>
             <a:endParaRPr lang="en-DE"/>
           </a:p>
@@ -1685,7 +1686,7 @@
           <a:p>
             <a:fld id="{94EAEABD-DE79-9141-AFA2-A3447ADAF287}" type="datetimeFigureOut">
               <a:rPr lang="en-DE" smtClean="0"/>
-              <a:t>01.09.23</a:t>
+              <a:t>04.09.23</a:t>
             </a:fld>
             <a:endParaRPr lang="en-DE"/>
           </a:p>
@@ -1934,7 +1935,7 @@
           <a:p>
             <a:fld id="{94EAEABD-DE79-9141-AFA2-A3447ADAF287}" type="datetimeFigureOut">
               <a:rPr lang="en-DE" smtClean="0"/>
-              <a:t>01.09.23</a:t>
+              <a:t>04.09.23</a:t>
             </a:fld>
             <a:endParaRPr lang="en-DE"/>
           </a:p>
@@ -5775,6 +5776,866 @@
     <p:extLst>
       <p:ext uri="{BB962C8B-B14F-4D97-AF65-F5344CB8AC3E}">
         <p14:creationId xmlns:p14="http://schemas.microsoft.com/office/powerpoint/2010/main" val="1871946703"/>
+      </p:ext>
+    </p:extLst>
+  </p:cSld>
+  <p:clrMapOvr>
+    <a:masterClrMapping/>
+  </p:clrMapOvr>
+</p:sld>
+</file>
+
+<file path=ppt/slides/slide7.xml><?xml version="1.0" encoding="utf-8"?>
+<p:sld xmlns:a="http://schemas.openxmlformats.org/drawingml/2006/main" xmlns:r="http://schemas.openxmlformats.org/officeDocument/2006/relationships" xmlns:p="http://schemas.openxmlformats.org/presentationml/2006/main">
+  <p:cSld>
+    <p:spTree>
+      <p:nvGrpSpPr>
+        <p:cNvPr id="1" name=""/>
+        <p:cNvGrpSpPr/>
+        <p:nvPr/>
+      </p:nvGrpSpPr>
+      <p:grpSpPr>
+        <a:xfrm>
+          <a:off x="0" y="0"/>
+          <a:ext cx="0" cy="0"/>
+          <a:chOff x="0" y="0"/>
+          <a:chExt cx="0" cy="0"/>
+        </a:xfrm>
+      </p:grpSpPr>
+      <p:sp>
+        <p:nvSpPr>
+          <p:cNvPr id="2" name="Title 1">
+            <a:extLst>
+              <a:ext uri="{FF2B5EF4-FFF2-40B4-BE49-F238E27FC236}">
+                <a16:creationId xmlns:a16="http://schemas.microsoft.com/office/drawing/2014/main" id="{E46D1C12-3417-C985-4A52-F37C92FC67A1}"/>
+              </a:ext>
+            </a:extLst>
+          </p:cNvPr>
+          <p:cNvSpPr>
+            <a:spLocks noGrp="1"/>
+          </p:cNvSpPr>
+          <p:nvPr>
+            <p:ph type="title"/>
+          </p:nvPr>
+        </p:nvSpPr>
+        <p:spPr/>
+        <p:txBody>
+          <a:bodyPr/>
+          <a:lstStyle/>
+          <a:p>
+            <a:r>
+              <a:rPr lang="en-DE" dirty="0"/>
+              <a:t>graph.</a:t>
+            </a:r>
+          </a:p>
+        </p:txBody>
+      </p:sp>
+      <p:sp>
+        <p:nvSpPr>
+          <p:cNvPr id="4" name="Rectangle 3">
+            <a:extLst>
+              <a:ext uri="{FF2B5EF4-FFF2-40B4-BE49-F238E27FC236}">
+                <a16:creationId xmlns:a16="http://schemas.microsoft.com/office/drawing/2014/main" id="{00864637-FF4A-E123-C36A-8828E71EA0CD}"/>
+              </a:ext>
+            </a:extLst>
+          </p:cNvPr>
+          <p:cNvSpPr/>
+          <p:nvPr/>
+        </p:nvSpPr>
+        <p:spPr>
+          <a:xfrm>
+            <a:off x="4381348" y="207410"/>
+            <a:ext cx="1708302" cy="914400"/>
+          </a:xfrm>
+          <a:prstGeom prst="rect">
+            <a:avLst/>
+          </a:prstGeom>
+        </p:spPr>
+        <p:style>
+          <a:lnRef idx="2">
+            <a:schemeClr val="accent1">
+              <a:shade val="50000"/>
+            </a:schemeClr>
+          </a:lnRef>
+          <a:fillRef idx="1">
+            <a:schemeClr val="accent1"/>
+          </a:fillRef>
+          <a:effectRef idx="0">
+            <a:schemeClr val="accent1"/>
+          </a:effectRef>
+          <a:fontRef idx="minor">
+            <a:schemeClr val="lt1"/>
+          </a:fontRef>
+        </p:style>
+        <p:txBody>
+          <a:bodyPr wrap="none" rtlCol="0" anchor="ctr"/>
+          <a:lstStyle/>
+          <a:p>
+            <a:pPr algn="ctr"/>
+            <a:r>
+              <a:rPr lang="en-DE" sz="1100" dirty="0"/>
+              <a:t>root:</a:t>
+            </a:r>
+          </a:p>
+          <a:p>
+            <a:pPr algn="ctr"/>
+            <a:endParaRPr lang="en-DE" sz="1100" dirty="0"/>
+          </a:p>
+          <a:p>
+            <a:pPr algn="ctr"/>
+            <a:r>
+              <a:rPr lang="en-DE" sz="1100" dirty="0"/>
+              <a:t>root=root</a:t>
+            </a:r>
+          </a:p>
+        </p:txBody>
+      </p:sp>
+      <p:sp>
+        <p:nvSpPr>
+          <p:cNvPr id="5" name="Rectangle 4">
+            <a:extLst>
+              <a:ext uri="{FF2B5EF4-FFF2-40B4-BE49-F238E27FC236}">
+                <a16:creationId xmlns:a16="http://schemas.microsoft.com/office/drawing/2014/main" id="{7CD1F3D8-8876-EF2A-F1FA-5E39D620D96A}"/>
+              </a:ext>
+            </a:extLst>
+          </p:cNvPr>
+          <p:cNvSpPr/>
+          <p:nvPr/>
+        </p:nvSpPr>
+        <p:spPr>
+          <a:xfrm>
+            <a:off x="2420639" y="1922118"/>
+            <a:ext cx="1708302" cy="914400"/>
+          </a:xfrm>
+          <a:prstGeom prst="rect">
+            <a:avLst/>
+          </a:prstGeom>
+        </p:spPr>
+        <p:style>
+          <a:lnRef idx="2">
+            <a:schemeClr val="accent1">
+              <a:shade val="50000"/>
+            </a:schemeClr>
+          </a:lnRef>
+          <a:fillRef idx="1">
+            <a:schemeClr val="accent1"/>
+          </a:fillRef>
+          <a:effectRef idx="0">
+            <a:schemeClr val="accent1"/>
+          </a:effectRef>
+          <a:fontRef idx="minor">
+            <a:schemeClr val="lt1"/>
+          </a:fontRef>
+        </p:style>
+        <p:txBody>
+          <a:bodyPr wrap="none" rtlCol="0" anchor="ctr"/>
+          <a:lstStyle/>
+          <a:p>
+            <a:pPr algn="ctr"/>
+            <a:r>
+              <a:rPr lang="en-DE" sz="1100" dirty="0"/>
+              <a:t>level11:</a:t>
+            </a:r>
+          </a:p>
+          <a:p>
+            <a:pPr algn="ctr"/>
+            <a:endParaRPr lang="en-DE" sz="1100" dirty="0"/>
+          </a:p>
+          <a:p>
+            <a:pPr algn="ctr"/>
+            <a:r>
+              <a:rPr lang="en-DE" sz="1100" dirty="0"/>
+              <a:t>var11=11</a:t>
+            </a:r>
+          </a:p>
+        </p:txBody>
+      </p:sp>
+      <p:sp>
+        <p:nvSpPr>
+          <p:cNvPr id="6" name="Rectangle 5">
+            <a:extLst>
+              <a:ext uri="{FF2B5EF4-FFF2-40B4-BE49-F238E27FC236}">
+                <a16:creationId xmlns:a16="http://schemas.microsoft.com/office/drawing/2014/main" id="{17712227-750F-57E0-522A-CF0B5B0645ED}"/>
+              </a:ext>
+            </a:extLst>
+          </p:cNvPr>
+          <p:cNvSpPr/>
+          <p:nvPr/>
+        </p:nvSpPr>
+        <p:spPr>
+          <a:xfrm>
+            <a:off x="4387698" y="1922118"/>
+            <a:ext cx="1708302" cy="914400"/>
+          </a:xfrm>
+          <a:prstGeom prst="rect">
+            <a:avLst/>
+          </a:prstGeom>
+        </p:spPr>
+        <p:style>
+          <a:lnRef idx="2">
+            <a:schemeClr val="accent1">
+              <a:shade val="50000"/>
+            </a:schemeClr>
+          </a:lnRef>
+          <a:fillRef idx="1">
+            <a:schemeClr val="accent1"/>
+          </a:fillRef>
+          <a:effectRef idx="0">
+            <a:schemeClr val="accent1"/>
+          </a:effectRef>
+          <a:fontRef idx="minor">
+            <a:schemeClr val="lt1"/>
+          </a:fontRef>
+        </p:style>
+        <p:txBody>
+          <a:bodyPr wrap="none" rtlCol="0" anchor="ctr"/>
+          <a:lstStyle/>
+          <a:p>
+            <a:pPr algn="ctr"/>
+            <a:r>
+              <a:rPr lang="en-DE" sz="1100" dirty="0"/>
+              <a:t>level12:</a:t>
+            </a:r>
+          </a:p>
+          <a:p>
+            <a:pPr algn="ctr"/>
+            <a:endParaRPr lang="en-DE" sz="1100" dirty="0"/>
+          </a:p>
+          <a:p>
+            <a:pPr algn="ctr"/>
+            <a:r>
+              <a:rPr lang="en-DE" sz="1100" dirty="0"/>
+              <a:t>var12=12</a:t>
+            </a:r>
+          </a:p>
+        </p:txBody>
+      </p:sp>
+      <p:sp>
+        <p:nvSpPr>
+          <p:cNvPr id="7" name="Rectangle 6">
+            <a:extLst>
+              <a:ext uri="{FF2B5EF4-FFF2-40B4-BE49-F238E27FC236}">
+                <a16:creationId xmlns:a16="http://schemas.microsoft.com/office/drawing/2014/main" id="{6C2021A1-F0A9-589D-95BA-B43A077E386E}"/>
+              </a:ext>
+            </a:extLst>
+          </p:cNvPr>
+          <p:cNvSpPr/>
+          <p:nvPr/>
+        </p:nvSpPr>
+        <p:spPr>
+          <a:xfrm>
+            <a:off x="6354759" y="1922118"/>
+            <a:ext cx="1708302" cy="914400"/>
+          </a:xfrm>
+          <a:prstGeom prst="rect">
+            <a:avLst/>
+          </a:prstGeom>
+        </p:spPr>
+        <p:style>
+          <a:lnRef idx="2">
+            <a:schemeClr val="accent1">
+              <a:shade val="50000"/>
+            </a:schemeClr>
+          </a:lnRef>
+          <a:fillRef idx="1">
+            <a:schemeClr val="accent1"/>
+          </a:fillRef>
+          <a:effectRef idx="0">
+            <a:schemeClr val="accent1"/>
+          </a:effectRef>
+          <a:fontRef idx="minor">
+            <a:schemeClr val="lt1"/>
+          </a:fontRef>
+        </p:style>
+        <p:txBody>
+          <a:bodyPr wrap="none" rtlCol="0" anchor="ctr"/>
+          <a:lstStyle/>
+          <a:p>
+            <a:pPr algn="ctr"/>
+            <a:r>
+              <a:rPr lang="en-DE" sz="1100" dirty="0"/>
+              <a:t>level13:</a:t>
+            </a:r>
+          </a:p>
+          <a:p>
+            <a:pPr algn="ctr"/>
+            <a:endParaRPr lang="en-DE" sz="1100" dirty="0"/>
+          </a:p>
+          <a:p>
+            <a:pPr algn="ctr"/>
+            <a:r>
+              <a:rPr lang="en-DE" sz="1100" dirty="0"/>
+              <a:t>var13=13</a:t>
+            </a:r>
+          </a:p>
+        </p:txBody>
+      </p:sp>
+      <p:sp>
+        <p:nvSpPr>
+          <p:cNvPr id="8" name="Rectangle 7">
+            <a:extLst>
+              <a:ext uri="{FF2B5EF4-FFF2-40B4-BE49-F238E27FC236}">
+                <a16:creationId xmlns:a16="http://schemas.microsoft.com/office/drawing/2014/main" id="{D768FA1C-21FF-2AC5-5DFF-C177832EC7CE}"/>
+              </a:ext>
+            </a:extLst>
+          </p:cNvPr>
+          <p:cNvSpPr/>
+          <p:nvPr/>
+        </p:nvSpPr>
+        <p:spPr>
+          <a:xfrm>
+            <a:off x="4387698" y="3695307"/>
+            <a:ext cx="1708302" cy="914400"/>
+          </a:xfrm>
+          <a:prstGeom prst="rect">
+            <a:avLst/>
+          </a:prstGeom>
+        </p:spPr>
+        <p:style>
+          <a:lnRef idx="2">
+            <a:schemeClr val="accent1">
+              <a:shade val="50000"/>
+            </a:schemeClr>
+          </a:lnRef>
+          <a:fillRef idx="1">
+            <a:schemeClr val="accent1"/>
+          </a:fillRef>
+          <a:effectRef idx="0">
+            <a:schemeClr val="accent1"/>
+          </a:effectRef>
+          <a:fontRef idx="minor">
+            <a:schemeClr val="lt1"/>
+          </a:fontRef>
+        </p:style>
+        <p:txBody>
+          <a:bodyPr wrap="none" rtlCol="0" anchor="ctr"/>
+          <a:lstStyle/>
+          <a:p>
+            <a:pPr algn="ctr"/>
+            <a:r>
+              <a:rPr lang="en-DE" sz="1100" dirty="0"/>
+              <a:t>level21:</a:t>
+            </a:r>
+          </a:p>
+          <a:p>
+            <a:pPr algn="ctr"/>
+            <a:endParaRPr lang="en-DE" sz="1100" dirty="0"/>
+          </a:p>
+          <a:p>
+            <a:pPr algn="ctr"/>
+            <a:r>
+              <a:rPr lang="en-DE" sz="1100" dirty="0"/>
+              <a:t>var21=21</a:t>
+            </a:r>
+          </a:p>
+          <a:p>
+            <a:pPr algn="ctr"/>
+            <a:r>
+              <a:rPr lang="en-DE" sz="1100" dirty="0"/>
+              <a:t>root=21</a:t>
+            </a:r>
+          </a:p>
+        </p:txBody>
+      </p:sp>
+      <p:cxnSp>
+        <p:nvCxnSpPr>
+          <p:cNvPr id="10" name="Elbow Connector 9">
+            <a:extLst>
+              <a:ext uri="{FF2B5EF4-FFF2-40B4-BE49-F238E27FC236}">
+                <a16:creationId xmlns:a16="http://schemas.microsoft.com/office/drawing/2014/main" id="{A55DAA63-182E-A163-51B3-01369A652B51}"/>
+              </a:ext>
+            </a:extLst>
+          </p:cNvPr>
+          <p:cNvCxnSpPr>
+            <a:stCxn id="8" idx="0"/>
+            <a:endCxn id="5" idx="2"/>
+          </p:cNvCxnSpPr>
+          <p:nvPr/>
+        </p:nvCxnSpPr>
+        <p:spPr>
+          <a:xfrm rot="16200000" flipV="1">
+            <a:off x="3828926" y="2282383"/>
+            <a:ext cx="858789" cy="1967059"/>
+          </a:xfrm>
+          <a:prstGeom prst="bentConnector3">
+            <a:avLst/>
+          </a:prstGeom>
+          <a:ln w="12700">
+            <a:solidFill>
+              <a:schemeClr val="bg1"/>
+            </a:solidFill>
+            <a:tailEnd type="triangle"/>
+          </a:ln>
+        </p:spPr>
+        <p:style>
+          <a:lnRef idx="1">
+            <a:schemeClr val="accent1"/>
+          </a:lnRef>
+          <a:fillRef idx="0">
+            <a:schemeClr val="accent1"/>
+          </a:fillRef>
+          <a:effectRef idx="0">
+            <a:schemeClr val="accent1"/>
+          </a:effectRef>
+          <a:fontRef idx="minor">
+            <a:schemeClr val="tx1"/>
+          </a:fontRef>
+        </p:style>
+      </p:cxnSp>
+      <p:cxnSp>
+        <p:nvCxnSpPr>
+          <p:cNvPr id="11" name="Elbow Connector 10">
+            <a:extLst>
+              <a:ext uri="{FF2B5EF4-FFF2-40B4-BE49-F238E27FC236}">
+                <a16:creationId xmlns:a16="http://schemas.microsoft.com/office/drawing/2014/main" id="{945CA1AF-9C66-0A7C-9102-6FAEAAF0A971}"/>
+              </a:ext>
+            </a:extLst>
+          </p:cNvPr>
+          <p:cNvCxnSpPr>
+            <a:cxnSpLocks/>
+            <a:stCxn id="8" idx="0"/>
+            <a:endCxn id="6" idx="2"/>
+          </p:cNvCxnSpPr>
+          <p:nvPr/>
+        </p:nvCxnSpPr>
+        <p:spPr>
+          <a:xfrm rot="5400000" flipH="1" flipV="1">
+            <a:off x="4812455" y="3265913"/>
+            <a:ext cx="858789" cy="12700"/>
+          </a:xfrm>
+          <a:prstGeom prst="bentConnector3">
+            <a:avLst/>
+          </a:prstGeom>
+          <a:ln w="12700">
+            <a:solidFill>
+              <a:schemeClr val="bg1"/>
+            </a:solidFill>
+            <a:tailEnd type="triangle"/>
+          </a:ln>
+        </p:spPr>
+        <p:style>
+          <a:lnRef idx="1">
+            <a:schemeClr val="accent1"/>
+          </a:lnRef>
+          <a:fillRef idx="0">
+            <a:schemeClr val="accent1"/>
+          </a:fillRef>
+          <a:effectRef idx="0">
+            <a:schemeClr val="accent1"/>
+          </a:effectRef>
+          <a:fontRef idx="minor">
+            <a:schemeClr val="tx1"/>
+          </a:fontRef>
+        </p:style>
+      </p:cxnSp>
+      <p:cxnSp>
+        <p:nvCxnSpPr>
+          <p:cNvPr id="14" name="Elbow Connector 13">
+            <a:extLst>
+              <a:ext uri="{FF2B5EF4-FFF2-40B4-BE49-F238E27FC236}">
+                <a16:creationId xmlns:a16="http://schemas.microsoft.com/office/drawing/2014/main" id="{8E53860E-92EA-B2A8-3843-A5D36F98E9E9}"/>
+              </a:ext>
+            </a:extLst>
+          </p:cNvPr>
+          <p:cNvCxnSpPr>
+            <a:cxnSpLocks/>
+            <a:stCxn id="8" idx="0"/>
+            <a:endCxn id="7" idx="2"/>
+          </p:cNvCxnSpPr>
+          <p:nvPr/>
+        </p:nvCxnSpPr>
+        <p:spPr>
+          <a:xfrm rot="5400000" flipH="1" flipV="1">
+            <a:off x="5795985" y="2282383"/>
+            <a:ext cx="858789" cy="1967061"/>
+          </a:xfrm>
+          <a:prstGeom prst="bentConnector3">
+            <a:avLst>
+              <a:gd name="adj1" fmla="val 50000"/>
+            </a:avLst>
+          </a:prstGeom>
+          <a:ln w="12700">
+            <a:solidFill>
+              <a:schemeClr val="bg1"/>
+            </a:solidFill>
+            <a:tailEnd type="triangle"/>
+          </a:ln>
+        </p:spPr>
+        <p:style>
+          <a:lnRef idx="1">
+            <a:schemeClr val="accent1"/>
+          </a:lnRef>
+          <a:fillRef idx="0">
+            <a:schemeClr val="accent1"/>
+          </a:fillRef>
+          <a:effectRef idx="0">
+            <a:schemeClr val="accent1"/>
+          </a:effectRef>
+          <a:fontRef idx="minor">
+            <a:schemeClr val="tx1"/>
+          </a:fontRef>
+        </p:style>
+      </p:cxnSp>
+      <p:cxnSp>
+        <p:nvCxnSpPr>
+          <p:cNvPr id="20" name="Elbow Connector 19">
+            <a:extLst>
+              <a:ext uri="{FF2B5EF4-FFF2-40B4-BE49-F238E27FC236}">
+                <a16:creationId xmlns:a16="http://schemas.microsoft.com/office/drawing/2014/main" id="{228F4171-E019-60FE-D924-A33E599FB641}"/>
+              </a:ext>
+            </a:extLst>
+          </p:cNvPr>
+          <p:cNvCxnSpPr>
+            <a:cxnSpLocks/>
+            <a:stCxn id="5" idx="0"/>
+            <a:endCxn id="4" idx="2"/>
+          </p:cNvCxnSpPr>
+          <p:nvPr/>
+        </p:nvCxnSpPr>
+        <p:spPr>
+          <a:xfrm rot="5400000" flipH="1" flipV="1">
+            <a:off x="3854990" y="541610"/>
+            <a:ext cx="800308" cy="1960709"/>
+          </a:xfrm>
+          <a:prstGeom prst="bentConnector3">
+            <a:avLst>
+              <a:gd name="adj1" fmla="val 50000"/>
+            </a:avLst>
+          </a:prstGeom>
+          <a:ln w="12700">
+            <a:solidFill>
+              <a:schemeClr val="bg1"/>
+            </a:solidFill>
+            <a:tailEnd type="triangle"/>
+          </a:ln>
+        </p:spPr>
+        <p:style>
+          <a:lnRef idx="1">
+            <a:schemeClr val="accent1"/>
+          </a:lnRef>
+          <a:fillRef idx="0">
+            <a:schemeClr val="accent1"/>
+          </a:fillRef>
+          <a:effectRef idx="0">
+            <a:schemeClr val="accent1"/>
+          </a:effectRef>
+          <a:fontRef idx="minor">
+            <a:schemeClr val="tx1"/>
+          </a:fontRef>
+        </p:style>
+      </p:cxnSp>
+      <p:cxnSp>
+        <p:nvCxnSpPr>
+          <p:cNvPr id="21" name="Elbow Connector 20">
+            <a:extLst>
+              <a:ext uri="{FF2B5EF4-FFF2-40B4-BE49-F238E27FC236}">
+                <a16:creationId xmlns:a16="http://schemas.microsoft.com/office/drawing/2014/main" id="{4BFDF492-FD2D-B767-5ABA-D12064572FD9}"/>
+              </a:ext>
+            </a:extLst>
+          </p:cNvPr>
+          <p:cNvCxnSpPr>
+            <a:cxnSpLocks/>
+            <a:stCxn id="6" idx="0"/>
+            <a:endCxn id="4" idx="2"/>
+          </p:cNvCxnSpPr>
+          <p:nvPr/>
+        </p:nvCxnSpPr>
+        <p:spPr>
+          <a:xfrm rot="16200000" flipV="1">
+            <a:off x="4838520" y="1518789"/>
+            <a:ext cx="800308" cy="6350"/>
+          </a:xfrm>
+          <a:prstGeom prst="bentConnector3">
+            <a:avLst>
+              <a:gd name="adj1" fmla="val 50000"/>
+            </a:avLst>
+          </a:prstGeom>
+          <a:ln w="12700">
+            <a:solidFill>
+              <a:schemeClr val="bg1"/>
+            </a:solidFill>
+            <a:tailEnd type="triangle"/>
+          </a:ln>
+        </p:spPr>
+        <p:style>
+          <a:lnRef idx="1">
+            <a:schemeClr val="accent1"/>
+          </a:lnRef>
+          <a:fillRef idx="0">
+            <a:schemeClr val="accent1"/>
+          </a:fillRef>
+          <a:effectRef idx="0">
+            <a:schemeClr val="accent1"/>
+          </a:effectRef>
+          <a:fontRef idx="minor">
+            <a:schemeClr val="tx1"/>
+          </a:fontRef>
+        </p:style>
+      </p:cxnSp>
+      <p:cxnSp>
+        <p:nvCxnSpPr>
+          <p:cNvPr id="22" name="Elbow Connector 21">
+            <a:extLst>
+              <a:ext uri="{FF2B5EF4-FFF2-40B4-BE49-F238E27FC236}">
+                <a16:creationId xmlns:a16="http://schemas.microsoft.com/office/drawing/2014/main" id="{CA6A4822-3483-D3F7-E265-CCA8530199DD}"/>
+              </a:ext>
+            </a:extLst>
+          </p:cNvPr>
+          <p:cNvCxnSpPr>
+            <a:cxnSpLocks/>
+            <a:stCxn id="7" idx="0"/>
+            <a:endCxn id="4" idx="2"/>
+          </p:cNvCxnSpPr>
+          <p:nvPr/>
+        </p:nvCxnSpPr>
+        <p:spPr>
+          <a:xfrm rot="16200000" flipV="1">
+            <a:off x="5822051" y="535258"/>
+            <a:ext cx="800308" cy="1973411"/>
+          </a:xfrm>
+          <a:prstGeom prst="bentConnector3">
+            <a:avLst>
+              <a:gd name="adj1" fmla="val 50000"/>
+            </a:avLst>
+          </a:prstGeom>
+          <a:ln w="12700">
+            <a:solidFill>
+              <a:schemeClr val="bg1"/>
+            </a:solidFill>
+            <a:tailEnd type="triangle"/>
+          </a:ln>
+        </p:spPr>
+        <p:style>
+          <a:lnRef idx="1">
+            <a:schemeClr val="accent1"/>
+          </a:lnRef>
+          <a:fillRef idx="0">
+            <a:schemeClr val="accent1"/>
+          </a:fillRef>
+          <a:effectRef idx="0">
+            <a:schemeClr val="accent1"/>
+          </a:effectRef>
+          <a:fontRef idx="minor">
+            <a:schemeClr val="tx1"/>
+          </a:fontRef>
+        </p:style>
+      </p:cxnSp>
+      <p:sp>
+        <p:nvSpPr>
+          <p:cNvPr id="32" name="Rectangle 31">
+            <a:extLst>
+              <a:ext uri="{FF2B5EF4-FFF2-40B4-BE49-F238E27FC236}">
+                <a16:creationId xmlns:a16="http://schemas.microsoft.com/office/drawing/2014/main" id="{78A11171-E4E8-9681-0065-8BB2BCAAA6CD}"/>
+              </a:ext>
+            </a:extLst>
+          </p:cNvPr>
+          <p:cNvSpPr/>
+          <p:nvPr/>
+        </p:nvSpPr>
+        <p:spPr>
+          <a:xfrm>
+            <a:off x="7208910" y="5242875"/>
+            <a:ext cx="1708302" cy="914400"/>
+          </a:xfrm>
+          <a:prstGeom prst="rect">
+            <a:avLst/>
+          </a:prstGeom>
+        </p:spPr>
+        <p:style>
+          <a:lnRef idx="2">
+            <a:schemeClr val="accent1">
+              <a:shade val="50000"/>
+            </a:schemeClr>
+          </a:lnRef>
+          <a:fillRef idx="1">
+            <a:schemeClr val="accent1"/>
+          </a:fillRef>
+          <a:effectRef idx="0">
+            <a:schemeClr val="accent1"/>
+          </a:effectRef>
+          <a:fontRef idx="minor">
+            <a:schemeClr val="lt1"/>
+          </a:fontRef>
+        </p:style>
+        <p:txBody>
+          <a:bodyPr wrap="none" rtlCol="0" anchor="ctr"/>
+          <a:lstStyle/>
+          <a:p>
+            <a:pPr algn="ctr"/>
+            <a:r>
+              <a:rPr lang="en-DE" sz="1100" dirty="0"/>
+              <a:t>level31:</a:t>
+            </a:r>
+          </a:p>
+          <a:p>
+            <a:pPr algn="ctr"/>
+            <a:endParaRPr lang="en-DE" sz="1100" dirty="0"/>
+          </a:p>
+          <a:p>
+            <a:pPr algn="ctr"/>
+            <a:r>
+              <a:rPr lang="en-DE" sz="1100" dirty="0"/>
+              <a:t>var31=31</a:t>
+            </a:r>
+          </a:p>
+          <a:p>
+            <a:pPr algn="ctr"/>
+            <a:r>
+              <a:rPr lang="en-DE" sz="1100" dirty="0"/>
+              <a:t>root=31</a:t>
+            </a:r>
+          </a:p>
+        </p:txBody>
+      </p:sp>
+      <p:cxnSp>
+        <p:nvCxnSpPr>
+          <p:cNvPr id="33" name="Elbow Connector 32">
+            <a:extLst>
+              <a:ext uri="{FF2B5EF4-FFF2-40B4-BE49-F238E27FC236}">
+                <a16:creationId xmlns:a16="http://schemas.microsoft.com/office/drawing/2014/main" id="{ADF261B1-5FFA-279E-49DB-5ACE86FE3B14}"/>
+              </a:ext>
+            </a:extLst>
+          </p:cNvPr>
+          <p:cNvCxnSpPr>
+            <a:cxnSpLocks/>
+            <a:stCxn id="32" idx="0"/>
+            <a:endCxn id="8" idx="2"/>
+          </p:cNvCxnSpPr>
+          <p:nvPr/>
+        </p:nvCxnSpPr>
+        <p:spPr>
+          <a:xfrm rot="16200000" flipV="1">
+            <a:off x="6335871" y="3515685"/>
+            <a:ext cx="633168" cy="2821212"/>
+          </a:xfrm>
+          <a:prstGeom prst="bentConnector3">
+            <a:avLst>
+              <a:gd name="adj1" fmla="val 50000"/>
+            </a:avLst>
+          </a:prstGeom>
+          <a:ln w="12700">
+            <a:solidFill>
+              <a:schemeClr val="bg1"/>
+            </a:solidFill>
+            <a:tailEnd type="triangle"/>
+          </a:ln>
+        </p:spPr>
+        <p:style>
+          <a:lnRef idx="1">
+            <a:schemeClr val="accent1"/>
+          </a:lnRef>
+          <a:fillRef idx="0">
+            <a:schemeClr val="accent1"/>
+          </a:fillRef>
+          <a:effectRef idx="0">
+            <a:schemeClr val="accent1"/>
+          </a:effectRef>
+          <a:fontRef idx="minor">
+            <a:schemeClr val="tx1"/>
+          </a:fontRef>
+        </p:style>
+      </p:cxnSp>
+      <p:cxnSp>
+        <p:nvCxnSpPr>
+          <p:cNvPr id="36" name="Elbow Connector 35">
+            <a:extLst>
+              <a:ext uri="{FF2B5EF4-FFF2-40B4-BE49-F238E27FC236}">
+                <a16:creationId xmlns:a16="http://schemas.microsoft.com/office/drawing/2014/main" id="{F3DEB93E-D8EF-C99B-2327-5997D667D7AE}"/>
+              </a:ext>
+            </a:extLst>
+          </p:cNvPr>
+          <p:cNvCxnSpPr>
+            <a:cxnSpLocks/>
+            <a:stCxn id="32" idx="3"/>
+            <a:endCxn id="4" idx="3"/>
+          </p:cNvCxnSpPr>
+          <p:nvPr/>
+        </p:nvCxnSpPr>
+        <p:spPr>
+          <a:xfrm flipH="1" flipV="1">
+            <a:off x="6089650" y="664610"/>
+            <a:ext cx="2827562" cy="5035465"/>
+          </a:xfrm>
+          <a:prstGeom prst="bentConnector3">
+            <a:avLst>
+              <a:gd name="adj1" fmla="val -8085"/>
+            </a:avLst>
+          </a:prstGeom>
+          <a:ln w="12700">
+            <a:solidFill>
+              <a:schemeClr val="bg1"/>
+            </a:solidFill>
+            <a:tailEnd type="triangle"/>
+          </a:ln>
+        </p:spPr>
+        <p:style>
+          <a:lnRef idx="1">
+            <a:schemeClr val="accent1"/>
+          </a:lnRef>
+          <a:fillRef idx="0">
+            <a:schemeClr val="accent1"/>
+          </a:fillRef>
+          <a:effectRef idx="0">
+            <a:schemeClr val="accent1"/>
+          </a:effectRef>
+          <a:fontRef idx="minor">
+            <a:schemeClr val="tx1"/>
+          </a:fontRef>
+        </p:style>
+      </p:cxnSp>
+      <p:cxnSp>
+        <p:nvCxnSpPr>
+          <p:cNvPr id="46" name="Elbow Connector 45">
+            <a:extLst>
+              <a:ext uri="{FF2B5EF4-FFF2-40B4-BE49-F238E27FC236}">
+                <a16:creationId xmlns:a16="http://schemas.microsoft.com/office/drawing/2014/main" id="{AA9DC1D8-3472-AABE-74E6-6AD6B3298299}"/>
+              </a:ext>
+            </a:extLst>
+          </p:cNvPr>
+          <p:cNvCxnSpPr>
+            <a:cxnSpLocks/>
+            <a:stCxn id="7" idx="3"/>
+            <a:endCxn id="32" idx="2"/>
+          </p:cNvCxnSpPr>
+          <p:nvPr/>
+        </p:nvCxnSpPr>
+        <p:spPr>
+          <a:xfrm>
+            <a:off x="8063061" y="2379318"/>
+            <a:ext cx="12700" cy="3777957"/>
+          </a:xfrm>
+          <a:prstGeom prst="bentConnector4">
+            <a:avLst>
+              <a:gd name="adj1" fmla="val 14113575"/>
+              <a:gd name="adj2" fmla="val 106051"/>
+            </a:avLst>
+          </a:prstGeom>
+          <a:ln w="12700">
+            <a:solidFill>
+              <a:schemeClr val="bg1"/>
+            </a:solidFill>
+            <a:tailEnd type="triangle"/>
+          </a:ln>
+        </p:spPr>
+        <p:style>
+          <a:lnRef idx="1">
+            <a:schemeClr val="accent1"/>
+          </a:lnRef>
+          <a:fillRef idx="0">
+            <a:schemeClr val="accent1"/>
+          </a:fillRef>
+          <a:effectRef idx="0">
+            <a:schemeClr val="accent1"/>
+          </a:effectRef>
+          <a:fontRef idx="minor">
+            <a:schemeClr val="tx1"/>
+          </a:fontRef>
+        </p:style>
+      </p:cxnSp>
+    </p:spTree>
+    <p:extLst>
+      <p:ext uri="{BB962C8B-B14F-4D97-AF65-F5344CB8AC3E}">
+        <p14:creationId xmlns:p14="http://schemas.microsoft.com/office/powerpoint/2010/main" val="3715750635"/>
       </p:ext>
     </p:extLst>
   </p:cSld>

--- a/doc/rsenv.pptx
+++ b/doc/rsenv.pptx
@@ -12,6 +12,7 @@
     <p:sldId id="257" r:id="rId6"/>
     <p:sldId id="261" r:id="rId7"/>
     <p:sldId id="262" r:id="rId8"/>
+    <p:sldId id="263" r:id="rId9"/>
   </p:sldIdLst>
   <p:sldSz cx="12192000" cy="6858000"/>
   <p:notesSz cx="6858000" cy="9144000"/>
@@ -267,7 +268,7 @@
           <a:p>
             <a:fld id="{94EAEABD-DE79-9141-AFA2-A3447ADAF287}" type="datetimeFigureOut">
               <a:rPr lang="en-DE" smtClean="0"/>
-              <a:t>04.09.23</a:t>
+              <a:t>09.09.23</a:t>
             </a:fld>
             <a:endParaRPr lang="en-DE"/>
           </a:p>
@@ -467,7 +468,7 @@
           <a:p>
             <a:fld id="{94EAEABD-DE79-9141-AFA2-A3447ADAF287}" type="datetimeFigureOut">
               <a:rPr lang="en-DE" smtClean="0"/>
-              <a:t>04.09.23</a:t>
+              <a:t>09.09.23</a:t>
             </a:fld>
             <a:endParaRPr lang="en-DE"/>
           </a:p>
@@ -743,7 +744,7 @@
           <a:p>
             <a:fld id="{94EAEABD-DE79-9141-AFA2-A3447ADAF287}" type="datetimeFigureOut">
               <a:rPr lang="en-DE" smtClean="0"/>
-              <a:t>04.09.23</a:t>
+              <a:t>09.09.23</a:t>
             </a:fld>
             <a:endParaRPr lang="en-DE"/>
           </a:p>
@@ -1011,7 +1012,7 @@
           <a:p>
             <a:fld id="{94EAEABD-DE79-9141-AFA2-A3447ADAF287}" type="datetimeFigureOut">
               <a:rPr lang="en-DE" smtClean="0"/>
-              <a:t>04.09.23</a:t>
+              <a:t>09.09.23</a:t>
             </a:fld>
             <a:endParaRPr lang="en-DE"/>
           </a:p>
@@ -1426,7 +1427,7 @@
           <a:p>
             <a:fld id="{94EAEABD-DE79-9141-AFA2-A3447ADAF287}" type="datetimeFigureOut">
               <a:rPr lang="en-DE" smtClean="0"/>
-              <a:t>04.09.23</a:t>
+              <a:t>09.09.23</a:t>
             </a:fld>
             <a:endParaRPr lang="en-DE"/>
           </a:p>
@@ -1573,7 +1574,7 @@
           <a:p>
             <a:fld id="{94EAEABD-DE79-9141-AFA2-A3447ADAF287}" type="datetimeFigureOut">
               <a:rPr lang="en-DE" smtClean="0"/>
-              <a:t>04.09.23</a:t>
+              <a:t>09.09.23</a:t>
             </a:fld>
             <a:endParaRPr lang="en-DE"/>
           </a:p>
@@ -1686,7 +1687,7 @@
           <a:p>
             <a:fld id="{94EAEABD-DE79-9141-AFA2-A3447ADAF287}" type="datetimeFigureOut">
               <a:rPr lang="en-DE" smtClean="0"/>
-              <a:t>04.09.23</a:t>
+              <a:t>09.09.23</a:t>
             </a:fld>
             <a:endParaRPr lang="en-DE"/>
           </a:p>
@@ -1935,7 +1936,7 @@
           <a:p>
             <a:fld id="{94EAEABD-DE79-9141-AFA2-A3447ADAF287}" type="datetimeFigureOut">
               <a:rPr lang="en-DE" smtClean="0"/>
-              <a:t>04.09.23</a:t>
+              <a:t>09.09.23</a:t>
             </a:fld>
             <a:endParaRPr lang="en-DE"/>
           </a:p>
@@ -5193,40 +5194,12 @@
           <a:chExt cx="0" cy="0"/>
         </a:xfrm>
       </p:grpSpPr>
-      <p:sp>
-        <p:nvSpPr>
-          <p:cNvPr id="2" name="Title 1">
-            <a:extLst>
-              <a:ext uri="{FF2B5EF4-FFF2-40B4-BE49-F238E27FC236}">
-                <a16:creationId xmlns:a16="http://schemas.microsoft.com/office/drawing/2014/main" id="{7E97A315-8DD5-D79F-860F-A265A82CCDBF}"/>
-              </a:ext>
-            </a:extLst>
-          </p:cNvPr>
-          <p:cNvSpPr>
-            <a:spLocks noGrp="1"/>
-          </p:cNvSpPr>
-          <p:nvPr>
-            <p:ph type="title"/>
-          </p:nvPr>
-        </p:nvSpPr>
-        <p:spPr/>
-        <p:txBody>
-          <a:bodyPr/>
-          <a:lstStyle/>
-          <a:p>
-            <a:r>
-              <a:rPr lang="en-DE" dirty="0"/>
-              <a:t>Intellij EnvFile: Inject variables live into RunConfig.</a:t>
-            </a:r>
-          </a:p>
-        </p:txBody>
-      </p:sp>
       <p:pic>
         <p:nvPicPr>
-          <p:cNvPr id="4" name="Picture 3">
-            <a:extLst>
-              <a:ext uri="{FF2B5EF4-FFF2-40B4-BE49-F238E27FC236}">
-                <a16:creationId xmlns:a16="http://schemas.microsoft.com/office/drawing/2014/main" id="{21A7727B-5615-84E9-9E76-F2A5C3A247F8}"/>
+          <p:cNvPr id="3" name="Picture 2">
+            <a:extLst>
+              <a:ext uri="{FF2B5EF4-FFF2-40B4-BE49-F238E27FC236}">
+                <a16:creationId xmlns:a16="http://schemas.microsoft.com/office/drawing/2014/main" id="{F1151DFB-B665-864B-DF07-C2FD2FD7688B}"/>
               </a:ext>
             </a:extLst>
           </p:cNvPr>
@@ -5243,8 +5216,8 @@
         </p:blipFill>
         <p:spPr>
           <a:xfrm>
-            <a:off x="838200" y="1112262"/>
-            <a:ext cx="6350000" cy="4406900"/>
+            <a:off x="768078" y="964096"/>
+            <a:ext cx="7772400" cy="5735212"/>
           </a:xfrm>
           <a:prstGeom prst="rect">
             <a:avLst/>
@@ -5253,6 +5226,34 @@
       </p:pic>
       <p:sp>
         <p:nvSpPr>
+          <p:cNvPr id="2" name="Title 1">
+            <a:extLst>
+              <a:ext uri="{FF2B5EF4-FFF2-40B4-BE49-F238E27FC236}">
+                <a16:creationId xmlns:a16="http://schemas.microsoft.com/office/drawing/2014/main" id="{7E97A315-8DD5-D79F-860F-A265A82CCDBF}"/>
+              </a:ext>
+            </a:extLst>
+          </p:cNvPr>
+          <p:cNvSpPr>
+            <a:spLocks noGrp="1"/>
+          </p:cNvSpPr>
+          <p:nvPr>
+            <p:ph type="title"/>
+          </p:nvPr>
+        </p:nvSpPr>
+        <p:spPr/>
+        <p:txBody>
+          <a:bodyPr/>
+          <a:lstStyle/>
+          <a:p>
+            <a:r>
+              <a:rPr lang="en-DE" dirty="0"/>
+              <a:t>Intellij EnvFile: Inject variables live into RunConfig.</a:t>
+            </a:r>
+          </a:p>
+        </p:txBody>
+      </p:sp>
+      <p:sp>
+        <p:nvSpPr>
           <p:cNvPr id="5" name="Rectangle 4">
             <a:extLst>
               <a:ext uri="{FF2B5EF4-FFF2-40B4-BE49-F238E27FC236}">
@@ -5265,8 +5266,8 @@
         </p:nvSpPr>
         <p:spPr>
           <a:xfrm>
-            <a:off x="4240373" y="2346658"/>
-            <a:ext cx="639124" cy="283254"/>
+            <a:off x="5367945" y="2191816"/>
+            <a:ext cx="937487" cy="283254"/>
           </a:xfrm>
           <a:prstGeom prst="rect">
             <a:avLst/>
@@ -5317,7 +5318,7 @@
         </p:nvSpPr>
         <p:spPr>
           <a:xfrm rot="10800000">
-            <a:off x="3151479" y="3892820"/>
+            <a:off x="3628965" y="4638146"/>
             <a:ext cx="484632" cy="396517"/>
           </a:xfrm>
           <a:prstGeom prst="downArrow">
@@ -5487,7 +5488,7 @@
         </p:blipFill>
         <p:spPr>
           <a:xfrm>
-            <a:off x="4113597" y="3864308"/>
+            <a:off x="4212023" y="4570327"/>
             <a:ext cx="4328455" cy="201750"/>
           </a:xfrm>
           <a:prstGeom prst="rect">
@@ -5495,42 +5496,169 @@
           </a:prstGeom>
         </p:spPr>
       </p:pic>
-      <p:pic>
-        <p:nvPicPr>
-          <p:cNvPr id="14" name="Picture 13">
-            <a:extLst>
-              <a:ext uri="{FF2B5EF4-FFF2-40B4-BE49-F238E27FC236}">
-                <a16:creationId xmlns:a16="http://schemas.microsoft.com/office/drawing/2014/main" id="{14F11CB1-1BB7-8790-1E64-79F595CF5EEC}"/>
-              </a:ext>
-            </a:extLst>
-          </p:cNvPr>
-          <p:cNvPicPr>
-            <a:picLocks noChangeAspect="1"/>
-          </p:cNvPicPr>
+      <p:grpSp>
+        <p:nvGrpSpPr>
+          <p:cNvPr id="10" name="Group 9">
+            <a:extLst>
+              <a:ext uri="{FF2B5EF4-FFF2-40B4-BE49-F238E27FC236}">
+                <a16:creationId xmlns:a16="http://schemas.microsoft.com/office/drawing/2014/main" id="{3D32DBD7-4905-5FA4-A551-3FA6BE1E97B9}"/>
+              </a:ext>
+            </a:extLst>
+          </p:cNvPr>
+          <p:cNvGrpSpPr/>
           <p:nvPr/>
-        </p:nvPicPr>
-        <p:blipFill>
-          <a:blip r:embed="rId4"/>
-          <a:stretch>
-            <a:fillRect/>
-          </a:stretch>
-        </p:blipFill>
-        <p:spPr>
-          <a:xfrm>
-            <a:off x="7812331" y="1908316"/>
+        </p:nvGrpSpPr>
+        <p:grpSpPr>
+          <a:xfrm>
+            <a:off x="7234517" y="1908316"/>
             <a:ext cx="3098800" cy="1143000"/>
-          </a:xfrm>
-          <a:prstGeom prst="rect">
+            <a:chOff x="7823551" y="1908316"/>
+            <a:chExt cx="3098800" cy="1143000"/>
+          </a:xfrm>
+          <a:effectLst>
+            <a:outerShdw blurRad="50800" dist="38100" dir="8100000" algn="tr" rotWithShape="0">
+              <a:prstClr val="black">
+                <a:alpha val="40000"/>
+              </a:prstClr>
+            </a:outerShdw>
+          </a:effectLst>
+        </p:grpSpPr>
+        <p:pic>
+          <p:nvPicPr>
+            <p:cNvPr id="14" name="Picture 13">
+              <a:extLst>
+                <a:ext uri="{FF2B5EF4-FFF2-40B4-BE49-F238E27FC236}">
+                  <a16:creationId xmlns:a16="http://schemas.microsoft.com/office/drawing/2014/main" id="{14F11CB1-1BB7-8790-1E64-79F595CF5EEC}"/>
+                </a:ext>
+              </a:extLst>
+            </p:cNvPr>
+            <p:cNvPicPr>
+              <a:picLocks noChangeAspect="1"/>
+            </p:cNvPicPr>
+            <p:nvPr/>
+          </p:nvPicPr>
+          <p:blipFill>
+            <a:blip r:embed="rId4"/>
+            <a:stretch>
+              <a:fillRect/>
+            </a:stretch>
+          </p:blipFill>
+          <p:spPr>
+            <a:xfrm>
+              <a:off x="7823551" y="1908316"/>
+              <a:ext cx="3098800" cy="1143000"/>
+            </a:xfrm>
+            <a:prstGeom prst="rect">
+              <a:avLst/>
+            </a:prstGeom>
+            <a:ln>
+              <a:solidFill>
+                <a:schemeClr val="bg1"/>
+              </a:solidFill>
+            </a:ln>
+            <a:effectLst>
+              <a:outerShdw blurRad="50800" dist="38100" dir="8100000" algn="tr" rotWithShape="0">
+                <a:prstClr val="black">
+                  <a:alpha val="40000"/>
+                </a:prstClr>
+              </a:outerShdw>
+            </a:effectLst>
+          </p:spPr>
+        </p:pic>
+        <p:sp>
+          <p:nvSpPr>
+            <p:cNvPr id="15" name="TextBox 14">
+              <a:extLst>
+                <a:ext uri="{FF2B5EF4-FFF2-40B4-BE49-F238E27FC236}">
+                  <a16:creationId xmlns:a16="http://schemas.microsoft.com/office/drawing/2014/main" id="{8ECED910-1C93-6024-48C5-BAAFC8259F43}"/>
+                </a:ext>
+              </a:extLst>
+            </p:cNvPr>
+            <p:cNvSpPr txBox="1"/>
+            <p:nvPr/>
+          </p:nvSpPr>
+          <p:spPr>
+            <a:xfrm>
+              <a:off x="8958340" y="2690947"/>
+              <a:ext cx="1896930" cy="307777"/>
+            </a:xfrm>
+            <a:prstGeom prst="rect">
+              <a:avLst/>
+            </a:prstGeom>
+            <a:solidFill>
+              <a:schemeClr val="accent1">
+                <a:lumMod val="75000"/>
+              </a:schemeClr>
+            </a:solidFill>
+            <a:ln>
+              <a:solidFill>
+                <a:schemeClr val="bg1"/>
+              </a:solidFill>
+            </a:ln>
+          </p:spPr>
+          <p:txBody>
+            <a:bodyPr wrap="none" rtlCol="0">
+              <a:spAutoFit/>
+            </a:bodyPr>
+            <a:lstStyle/>
+            <a:p>
+              <a:pPr algn="l"/>
+              <a:r>
+                <a:rPr lang="en-DE" sz="1400" dirty="0"/>
+                <a:t>directory with .env files</a:t>
+              </a:r>
+            </a:p>
+          </p:txBody>
+        </p:sp>
+      </p:grpSp>
+      <p:cxnSp>
+        <p:nvCxnSpPr>
+          <p:cNvPr id="17" name="Elbow Connector 16">
+            <a:extLst>
+              <a:ext uri="{FF2B5EF4-FFF2-40B4-BE49-F238E27FC236}">
+                <a16:creationId xmlns:a16="http://schemas.microsoft.com/office/drawing/2014/main" id="{3B439C26-7AED-EB26-F2AC-2DF84D30B440}"/>
+              </a:ext>
+            </a:extLst>
+          </p:cNvPr>
+          <p:cNvCxnSpPr>
+            <a:stCxn id="14" idx="2"/>
+            <a:endCxn id="9" idx="3"/>
+          </p:cNvCxnSpPr>
+          <p:nvPr/>
+        </p:nvCxnSpPr>
+        <p:spPr>
+          <a:xfrm rot="5400000">
+            <a:off x="7852255" y="3739540"/>
+            <a:ext cx="1619886" cy="243439"/>
+          </a:xfrm>
+          <a:prstGeom prst="bentConnector2">
             <a:avLst/>
           </a:prstGeom>
-        </p:spPr>
-      </p:pic>
-      <p:sp>
-        <p:nvSpPr>
-          <p:cNvPr id="15" name="TextBox 14">
-            <a:extLst>
-              <a:ext uri="{FF2B5EF4-FFF2-40B4-BE49-F238E27FC236}">
-                <a16:creationId xmlns:a16="http://schemas.microsoft.com/office/drawing/2014/main" id="{8ECED910-1C93-6024-48C5-BAAFC8259F43}"/>
+          <a:ln w="38100">
+            <a:tailEnd type="triangle"/>
+          </a:ln>
+        </p:spPr>
+        <p:style>
+          <a:lnRef idx="1">
+            <a:schemeClr val="accent1"/>
+          </a:lnRef>
+          <a:fillRef idx="0">
+            <a:schemeClr val="accent1"/>
+          </a:fillRef>
+          <a:effectRef idx="0">
+            <a:schemeClr val="accent1"/>
+          </a:effectRef>
+          <a:fontRef idx="minor">
+            <a:schemeClr val="tx1"/>
+          </a:fontRef>
+        </p:style>
+      </p:cxnSp>
+      <p:sp>
+        <p:nvSpPr>
+          <p:cNvPr id="18" name="TextBox 17">
+            <a:extLst>
+              <a:ext uri="{FF2B5EF4-FFF2-40B4-BE49-F238E27FC236}">
+                <a16:creationId xmlns:a16="http://schemas.microsoft.com/office/drawing/2014/main" id="{9F260824-7F65-ECB4-E787-C80AB6BB0778}"/>
               </a:ext>
             </a:extLst>
           </p:cNvPr>
@@ -5539,8 +5667,8 @@
         </p:nvSpPr>
         <p:spPr>
           <a:xfrm>
-            <a:off x="8010281" y="1612800"/>
-            <a:ext cx="2673745" cy="307777"/>
+            <a:off x="4339731" y="4777021"/>
+            <a:ext cx="4073038" cy="307777"/>
           </a:xfrm>
           <a:prstGeom prst="rect">
             <a:avLst/>
@@ -5560,59 +5688,17 @@
             <a:pPr algn="l"/>
             <a:r>
               <a:rPr lang="en-DE" sz="1400" dirty="0"/>
-              <a:t>directory with environment config</a:t>
-            </a:r>
-          </a:p>
-        </p:txBody>
-      </p:sp>
-      <p:cxnSp>
-        <p:nvCxnSpPr>
-          <p:cNvPr id="17" name="Elbow Connector 16">
-            <a:extLst>
-              <a:ext uri="{FF2B5EF4-FFF2-40B4-BE49-F238E27FC236}">
-                <a16:creationId xmlns:a16="http://schemas.microsoft.com/office/drawing/2014/main" id="{3B439C26-7AED-EB26-F2AC-2DF84D30B440}"/>
-              </a:ext>
-            </a:extLst>
-          </p:cNvPr>
-          <p:cNvCxnSpPr>
-            <a:stCxn id="14" idx="2"/>
-            <a:endCxn id="9" idx="3"/>
-          </p:cNvCxnSpPr>
-          <p:nvPr/>
-        </p:nvCxnSpPr>
-        <p:spPr>
-          <a:xfrm rot="5400000">
-            <a:off x="8444959" y="3048410"/>
-            <a:ext cx="913867" cy="919679"/>
-          </a:xfrm>
-          <a:prstGeom prst="bentConnector2">
-            <a:avLst/>
-          </a:prstGeom>
-          <a:ln>
-            <a:tailEnd type="triangle"/>
-          </a:ln>
-        </p:spPr>
-        <p:style>
-          <a:lnRef idx="1">
-            <a:schemeClr val="accent1"/>
-          </a:lnRef>
-          <a:fillRef idx="0">
-            <a:schemeClr val="accent1"/>
-          </a:fillRef>
-          <a:effectRef idx="0">
-            <a:schemeClr val="accent1"/>
-          </a:effectRef>
-          <a:fontRef idx="minor">
-            <a:schemeClr val="tx1"/>
-          </a:fontRef>
-        </p:style>
-      </p:cxnSp>
-      <p:sp>
-        <p:nvSpPr>
-          <p:cNvPr id="18" name="TextBox 17">
-            <a:extLst>
-              <a:ext uri="{FF2B5EF4-FFF2-40B4-BE49-F238E27FC236}">
-                <a16:creationId xmlns:a16="http://schemas.microsoft.com/office/drawing/2014/main" id="{9F260824-7F65-ECB4-E787-C80AB6BB0778}"/>
+              <a:t>command to print resulting set of variables to stdout.</a:t>
+            </a:r>
+          </a:p>
+        </p:txBody>
+      </p:sp>
+      <p:sp>
+        <p:nvSpPr>
+          <p:cNvPr id="19" name="TextBox 18">
+            <a:extLst>
+              <a:ext uri="{FF2B5EF4-FFF2-40B4-BE49-F238E27FC236}">
+                <a16:creationId xmlns:a16="http://schemas.microsoft.com/office/drawing/2014/main" id="{EED89830-31EA-7031-391B-53CEBC896E58}"/>
               </a:ext>
             </a:extLst>
           </p:cNvPr>
@@ -5621,47 +5707,7 @@
         </p:nvSpPr>
         <p:spPr>
           <a:xfrm>
-            <a:off x="4429859" y="4054010"/>
-            <a:ext cx="3728713" cy="307777"/>
-          </a:xfrm>
-          <a:prstGeom prst="rect">
-            <a:avLst/>
-          </a:prstGeom>
-          <a:solidFill>
-            <a:schemeClr val="accent1">
-              <a:lumMod val="75000"/>
-            </a:schemeClr>
-          </a:solidFill>
-        </p:spPr>
-        <p:txBody>
-          <a:bodyPr wrap="none" rtlCol="0">
-            <a:spAutoFit/>
-          </a:bodyPr>
-          <a:lstStyle/>
-          <a:p>
-            <a:pPr algn="l"/>
-            <a:r>
-              <a:rPr lang="en-DE" sz="1400" dirty="0"/>
-              <a:t>command which outputs the variables to stdout.</a:t>
-            </a:r>
-          </a:p>
-        </p:txBody>
-      </p:sp>
-      <p:sp>
-        <p:nvSpPr>
-          <p:cNvPr id="19" name="TextBox 18">
-            <a:extLst>
-              <a:ext uri="{FF2B5EF4-FFF2-40B4-BE49-F238E27FC236}">
-                <a16:creationId xmlns:a16="http://schemas.microsoft.com/office/drawing/2014/main" id="{EED89830-31EA-7031-391B-53CEBC896E58}"/>
-              </a:ext>
-            </a:extLst>
-          </p:cNvPr>
-          <p:cNvSpPr txBox="1"/>
-          <p:nvPr/>
-        </p:nvSpPr>
-        <p:spPr>
-          <a:xfrm>
-            <a:off x="3730428" y="2665725"/>
+            <a:off x="3863800" y="2507429"/>
             <a:ext cx="3073149" cy="307777"/>
           </a:xfrm>
           <a:prstGeom prst="rect">
@@ -6636,6 +6682,61 @@
     <p:extLst>
       <p:ext uri="{BB962C8B-B14F-4D97-AF65-F5344CB8AC3E}">
         <p14:creationId xmlns:p14="http://schemas.microsoft.com/office/powerpoint/2010/main" val="3715750635"/>
+      </p:ext>
+    </p:extLst>
+  </p:cSld>
+  <p:clrMapOvr>
+    <a:masterClrMapping/>
+  </p:clrMapOvr>
+</p:sld>
+</file>
+
+<file path=ppt/slides/slide8.xml><?xml version="1.0" encoding="utf-8"?>
+<p:sld xmlns:a="http://schemas.openxmlformats.org/drawingml/2006/main" xmlns:r="http://schemas.openxmlformats.org/officeDocument/2006/relationships" xmlns:p="http://schemas.openxmlformats.org/presentationml/2006/main">
+  <p:cSld>
+    <p:spTree>
+      <p:nvGrpSpPr>
+        <p:cNvPr id="1" name=""/>
+        <p:cNvGrpSpPr/>
+        <p:nvPr/>
+      </p:nvGrpSpPr>
+      <p:grpSpPr>
+        <a:xfrm>
+          <a:off x="0" y="0"/>
+          <a:ext cx="0" cy="0"/>
+          <a:chOff x="0" y="0"/>
+          <a:chExt cx="0" cy="0"/>
+        </a:xfrm>
+      </p:grpSpPr>
+      <p:sp>
+        <p:nvSpPr>
+          <p:cNvPr id="2" name="Title 1">
+            <a:extLst>
+              <a:ext uri="{FF2B5EF4-FFF2-40B4-BE49-F238E27FC236}">
+                <a16:creationId xmlns:a16="http://schemas.microsoft.com/office/drawing/2014/main" id="{CD060910-CC55-F6C9-43B3-79BB745BB323}"/>
+              </a:ext>
+            </a:extLst>
+          </p:cNvPr>
+          <p:cNvSpPr>
+            <a:spLocks noGrp="1"/>
+          </p:cNvSpPr>
+          <p:nvPr>
+            <p:ph type="title"/>
+          </p:nvPr>
+        </p:nvSpPr>
+        <p:spPr/>
+        <p:txBody>
+          <a:bodyPr/>
+          <a:lstStyle/>
+          <a:p>
+            <a:endParaRPr lang="en-DE"/>
+          </a:p>
+        </p:txBody>
+      </p:sp>
+    </p:spTree>
+    <p:extLst>
+      <p:ext uri="{BB962C8B-B14F-4D97-AF65-F5344CB8AC3E}">
+        <p14:creationId xmlns:p14="http://schemas.microsoft.com/office/powerpoint/2010/main" val="2562828931"/>
       </p:ext>
     </p:extLst>
   </p:cSld>

--- a/doc/rsenv.pptx
+++ b/doc/rsenv.pptx
@@ -5426,7 +5426,7 @@
         </p:nvSpPr>
         <p:spPr>
           <a:xfrm>
-            <a:off x="3393793" y="1908316"/>
+            <a:off x="4033312" y="1955124"/>
             <a:ext cx="1016365" cy="236692"/>
           </a:xfrm>
           <a:prstGeom prst="rect">
@@ -5790,10 +5790,10 @@
       </p:sp>
       <p:pic>
         <p:nvPicPr>
-          <p:cNvPr id="3" name="Picture 2">
-            <a:extLst>
-              <a:ext uri="{FF2B5EF4-FFF2-40B4-BE49-F238E27FC236}">
-                <a16:creationId xmlns:a16="http://schemas.microsoft.com/office/drawing/2014/main" id="{5D7F7640-B712-9919-E3CC-304448961803}"/>
+          <p:cNvPr id="7" name="Picture 6">
+            <a:extLst>
+              <a:ext uri="{FF2B5EF4-FFF2-40B4-BE49-F238E27FC236}">
+                <a16:creationId xmlns:a16="http://schemas.microsoft.com/office/drawing/2014/main" id="{0383E38D-5DFC-4E4E-D250-D00E5B2EE638}"/>
               </a:ext>
             </a:extLst>
           </p:cNvPr>
@@ -5810,8 +5810,8 @@
         </p:blipFill>
         <p:spPr>
           <a:xfrm>
-            <a:off x="749300" y="1352846"/>
-            <a:ext cx="9210408" cy="4152307"/>
+            <a:off x="885884" y="1281818"/>
+            <a:ext cx="7772400" cy="4653391"/>
           </a:xfrm>
           <a:prstGeom prst="rect">
             <a:avLst/>
